--- a/Documents/Demo07/Presentation.pptx
+++ b/Documents/Demo07/Presentation.pptx
@@ -4,20 +4,31 @@
   <p:sldMasterIdLst>
     <p:sldMasterId id="2147483648" r:id="rId1"/>
   </p:sldMasterIdLst>
+  <p:notesMasterIdLst>
+    <p:notesMasterId r:id="rId23"/>
+  </p:notesMasterIdLst>
   <p:sldIdLst>
     <p:sldId id="256" r:id="rId2"/>
     <p:sldId id="277" r:id="rId3"/>
     <p:sldId id="257" r:id="rId4"/>
-    <p:sldId id="278" r:id="rId5"/>
+    <p:sldId id="297" r:id="rId5"/>
     <p:sldId id="285" r:id="rId6"/>
-    <p:sldId id="284" r:id="rId7"/>
-    <p:sldId id="282" r:id="rId8"/>
-    <p:sldId id="286" r:id="rId9"/>
-    <p:sldId id="287" r:id="rId10"/>
-    <p:sldId id="288" r:id="rId11"/>
-    <p:sldId id="280" r:id="rId12"/>
-    <p:sldId id="281" r:id="rId13"/>
-    <p:sldId id="266" r:id="rId14"/>
+    <p:sldId id="291" r:id="rId7"/>
+    <p:sldId id="284" r:id="rId8"/>
+    <p:sldId id="292" r:id="rId9"/>
+    <p:sldId id="293" r:id="rId10"/>
+    <p:sldId id="294" r:id="rId11"/>
+    <p:sldId id="295" r:id="rId12"/>
+    <p:sldId id="296" r:id="rId13"/>
+    <p:sldId id="282" r:id="rId14"/>
+    <p:sldId id="286" r:id="rId15"/>
+    <p:sldId id="287" r:id="rId16"/>
+    <p:sldId id="288" r:id="rId17"/>
+    <p:sldId id="280" r:id="rId18"/>
+    <p:sldId id="289" r:id="rId19"/>
+    <p:sldId id="281" r:id="rId20"/>
+    <p:sldId id="266" r:id="rId21"/>
+    <p:sldId id="290" r:id="rId22"/>
   </p:sldIdLst>
   <p:sldSz cx="12192000" cy="6858000"/>
   <p:notesSz cx="6858000" cy="9144000"/>
@@ -118,7 +129,7 @@
   </p:defaultTextStyle>
   <p:extLst>
     <p:ext uri="{EFAFB233-063F-42B5-8137-9DF3F51BA10A}">
-      <p15:sldGuideLst xmlns:p15="http://schemas.microsoft.com/office/powerpoint/2012/main" xmlns="">
+      <p15:sldGuideLst xmlns:p15="http://schemas.microsoft.com/office/powerpoint/2012/main">
         <p15:guide id="1" orient="horz" pos="2160">
           <p15:clr>
             <a:srgbClr val="A4A3A4"/>
@@ -133,6 +144,2524 @@
     </p:ext>
   </p:extLst>
 </p:presentation>
+</file>
+
+<file path=ppt/commentAuthors.xml><?xml version="1.0" encoding="utf-8"?>
+<p:cmAuthorLst xmlns:a="http://schemas.openxmlformats.org/drawingml/2006/main" xmlns:r="http://schemas.openxmlformats.org/officeDocument/2006/relationships" xmlns:p="http://schemas.openxmlformats.org/presentationml/2006/main">
+  <p:cmAuthor id="1" name="Pat Horler" initials="PH" lastIdx="2" clrIdx="0">
+    <p:extLst>
+      <p:ext uri="{19B8F6BF-5375-455C-9EA6-DF929625EA0E}">
+        <p15:presenceInfo xmlns:p15="http://schemas.microsoft.com/office/powerpoint/2012/main" userId="S-1-5-21-2882848474-1198803448-1333892112-1002" providerId="AD"/>
+      </p:ext>
+    </p:extLst>
+  </p:cmAuthor>
+</p:cmAuthorLst>
+</file>
+
+<file path=ppt/notesMasters/notesMaster1.xml><?xml version="1.0" encoding="utf-8"?>
+<p:notesMaster xmlns:a="http://schemas.openxmlformats.org/drawingml/2006/main" xmlns:r="http://schemas.openxmlformats.org/officeDocument/2006/relationships" xmlns:p="http://schemas.openxmlformats.org/presentationml/2006/main">
+  <p:cSld>
+    <p:bg>
+      <p:bgRef idx="1001">
+        <a:schemeClr val="bg1"/>
+      </p:bgRef>
+    </p:bg>
+    <p:spTree>
+      <p:nvGrpSpPr>
+        <p:cNvPr id="1" name=""/>
+        <p:cNvGrpSpPr/>
+        <p:nvPr/>
+      </p:nvGrpSpPr>
+      <p:grpSpPr>
+        <a:xfrm>
+          <a:off x="0" y="0"/>
+          <a:ext cx="0" cy="0"/>
+          <a:chOff x="0" y="0"/>
+          <a:chExt cx="0" cy="0"/>
+        </a:xfrm>
+      </p:grpSpPr>
+      <p:sp>
+        <p:nvSpPr>
+          <p:cNvPr id="2" name="Header Placeholder 1"/>
+          <p:cNvSpPr>
+            <a:spLocks noGrp="1"/>
+          </p:cNvSpPr>
+          <p:nvPr>
+            <p:ph type="hdr" sz="quarter"/>
+          </p:nvPr>
+        </p:nvSpPr>
+        <p:spPr>
+          <a:xfrm>
+            <a:off x="0" y="0"/>
+            <a:ext cx="2971800" cy="458788"/>
+          </a:xfrm>
+          <a:prstGeom prst="rect">
+            <a:avLst/>
+          </a:prstGeom>
+        </p:spPr>
+        <p:txBody>
+          <a:bodyPr vert="horz" lIns="91440" tIns="45720" rIns="91440" bIns="45720" rtlCol="0"/>
+          <a:lstStyle>
+            <a:lvl1pPr algn="l">
+              <a:defRPr sz="1200"/>
+            </a:lvl1pPr>
+          </a:lstStyle>
+          <a:p>
+            <a:endParaRPr lang="en-CA"/>
+          </a:p>
+        </p:txBody>
+      </p:sp>
+      <p:sp>
+        <p:nvSpPr>
+          <p:cNvPr id="3" name="Date Placeholder 2"/>
+          <p:cNvSpPr>
+            <a:spLocks noGrp="1"/>
+          </p:cNvSpPr>
+          <p:nvPr>
+            <p:ph type="dt" idx="1"/>
+          </p:nvPr>
+        </p:nvSpPr>
+        <p:spPr>
+          <a:xfrm>
+            <a:off x="3884613" y="0"/>
+            <a:ext cx="2971800" cy="458788"/>
+          </a:xfrm>
+          <a:prstGeom prst="rect">
+            <a:avLst/>
+          </a:prstGeom>
+        </p:spPr>
+        <p:txBody>
+          <a:bodyPr vert="horz" lIns="91440" tIns="45720" rIns="91440" bIns="45720" rtlCol="0"/>
+          <a:lstStyle>
+            <a:lvl1pPr algn="r">
+              <a:defRPr sz="1200"/>
+            </a:lvl1pPr>
+          </a:lstStyle>
+          <a:p>
+            <a:fld id="{71FCB5CB-651E-4E82-9AA3-1912CC806A9F}" type="datetimeFigureOut">
+              <a:rPr lang="en-CA" smtClean="0"/>
+              <a:t>2018-06-24</a:t>
+            </a:fld>
+            <a:endParaRPr lang="en-CA"/>
+          </a:p>
+        </p:txBody>
+      </p:sp>
+      <p:sp>
+        <p:nvSpPr>
+          <p:cNvPr id="4" name="Slide Image Placeholder 3"/>
+          <p:cNvSpPr>
+            <a:spLocks noGrp="1" noRot="1" noChangeAspect="1"/>
+          </p:cNvSpPr>
+          <p:nvPr>
+            <p:ph type="sldImg" idx="2"/>
+          </p:nvPr>
+        </p:nvSpPr>
+        <p:spPr>
+          <a:xfrm>
+            <a:off x="685800" y="1143000"/>
+            <a:ext cx="5486400" cy="3086100"/>
+          </a:xfrm>
+          <a:prstGeom prst="rect">
+            <a:avLst/>
+          </a:prstGeom>
+          <a:noFill/>
+          <a:ln w="12700">
+            <a:solidFill>
+              <a:prstClr val="black"/>
+            </a:solidFill>
+          </a:ln>
+        </p:spPr>
+        <p:txBody>
+          <a:bodyPr vert="horz" lIns="91440" tIns="45720" rIns="91440" bIns="45720" rtlCol="0" anchor="ctr"/>
+          <a:lstStyle/>
+          <a:p>
+            <a:endParaRPr lang="en-CA"/>
+          </a:p>
+        </p:txBody>
+      </p:sp>
+      <p:sp>
+        <p:nvSpPr>
+          <p:cNvPr id="5" name="Notes Placeholder 4"/>
+          <p:cNvSpPr>
+            <a:spLocks noGrp="1"/>
+          </p:cNvSpPr>
+          <p:nvPr>
+            <p:ph type="body" sz="quarter" idx="3"/>
+          </p:nvPr>
+        </p:nvSpPr>
+        <p:spPr>
+          <a:xfrm>
+            <a:off x="685800" y="4400550"/>
+            <a:ext cx="5486400" cy="3600450"/>
+          </a:xfrm>
+          <a:prstGeom prst="rect">
+            <a:avLst/>
+          </a:prstGeom>
+        </p:spPr>
+        <p:txBody>
+          <a:bodyPr vert="horz" lIns="91440" tIns="45720" rIns="91440" bIns="45720" rtlCol="0"/>
+          <a:lstStyle/>
+          <a:p>
+            <a:pPr lvl="0"/>
+            <a:r>
+              <a:rPr lang="en-US"/>
+              <a:t>Edit Master text styles</a:t>
+            </a:r>
+          </a:p>
+          <a:p>
+            <a:pPr lvl="1"/>
+            <a:r>
+              <a:rPr lang="en-US"/>
+              <a:t>Second level</a:t>
+            </a:r>
+          </a:p>
+          <a:p>
+            <a:pPr lvl="2"/>
+            <a:r>
+              <a:rPr lang="en-US"/>
+              <a:t>Third level</a:t>
+            </a:r>
+          </a:p>
+          <a:p>
+            <a:pPr lvl="3"/>
+            <a:r>
+              <a:rPr lang="en-US"/>
+              <a:t>Fourth level</a:t>
+            </a:r>
+          </a:p>
+          <a:p>
+            <a:pPr lvl="4"/>
+            <a:r>
+              <a:rPr lang="en-US"/>
+              <a:t>Fifth level</a:t>
+            </a:r>
+            <a:endParaRPr lang="en-CA"/>
+          </a:p>
+        </p:txBody>
+      </p:sp>
+      <p:sp>
+        <p:nvSpPr>
+          <p:cNvPr id="6" name="Footer Placeholder 5"/>
+          <p:cNvSpPr>
+            <a:spLocks noGrp="1"/>
+          </p:cNvSpPr>
+          <p:nvPr>
+            <p:ph type="ftr" sz="quarter" idx="4"/>
+          </p:nvPr>
+        </p:nvSpPr>
+        <p:spPr>
+          <a:xfrm>
+            <a:off x="0" y="8685213"/>
+            <a:ext cx="2971800" cy="458787"/>
+          </a:xfrm>
+          <a:prstGeom prst="rect">
+            <a:avLst/>
+          </a:prstGeom>
+        </p:spPr>
+        <p:txBody>
+          <a:bodyPr vert="horz" lIns="91440" tIns="45720" rIns="91440" bIns="45720" rtlCol="0" anchor="b"/>
+          <a:lstStyle>
+            <a:lvl1pPr algn="l">
+              <a:defRPr sz="1200"/>
+            </a:lvl1pPr>
+          </a:lstStyle>
+          <a:p>
+            <a:endParaRPr lang="en-CA"/>
+          </a:p>
+        </p:txBody>
+      </p:sp>
+      <p:sp>
+        <p:nvSpPr>
+          <p:cNvPr id="7" name="Slide Number Placeholder 6"/>
+          <p:cNvSpPr>
+            <a:spLocks noGrp="1"/>
+          </p:cNvSpPr>
+          <p:nvPr>
+            <p:ph type="sldNum" sz="quarter" idx="5"/>
+          </p:nvPr>
+        </p:nvSpPr>
+        <p:spPr>
+          <a:xfrm>
+            <a:off x="3884613" y="8685213"/>
+            <a:ext cx="2971800" cy="458787"/>
+          </a:xfrm>
+          <a:prstGeom prst="rect">
+            <a:avLst/>
+          </a:prstGeom>
+        </p:spPr>
+        <p:txBody>
+          <a:bodyPr vert="horz" lIns="91440" tIns="45720" rIns="91440" bIns="45720" rtlCol="0" anchor="b"/>
+          <a:lstStyle>
+            <a:lvl1pPr algn="r">
+              <a:defRPr sz="1200"/>
+            </a:lvl1pPr>
+          </a:lstStyle>
+          <a:p>
+            <a:fld id="{B969AB9A-5B0E-498F-B3EF-77369BC367E8}" type="slidenum">
+              <a:rPr lang="en-CA" smtClean="0"/>
+              <a:t>‹#›</a:t>
+            </a:fld>
+            <a:endParaRPr lang="en-CA"/>
+          </a:p>
+        </p:txBody>
+      </p:sp>
+    </p:spTree>
+    <p:extLst>
+      <p:ext uri="{BB962C8B-B14F-4D97-AF65-F5344CB8AC3E}">
+        <p14:creationId xmlns:p14="http://schemas.microsoft.com/office/powerpoint/2010/main" val="526499840"/>
+      </p:ext>
+    </p:extLst>
+  </p:cSld>
+  <p:clrMap bg1="lt1" tx1="dk1" bg2="lt2" tx2="dk2" accent1="accent1" accent2="accent2" accent3="accent3" accent4="accent4" accent5="accent5" accent6="accent6" hlink="hlink" folHlink="folHlink"/>
+  <p:notesStyle>
+    <a:lvl1pPr marL="0" algn="l" defTabSz="914400" rtl="0" eaLnBrk="1" latinLnBrk="0" hangingPunct="1">
+      <a:defRPr sz="1200" kern="1200">
+        <a:solidFill>
+          <a:schemeClr val="tx1"/>
+        </a:solidFill>
+        <a:latin typeface="+mn-lt"/>
+        <a:ea typeface="+mn-ea"/>
+        <a:cs typeface="+mn-cs"/>
+      </a:defRPr>
+    </a:lvl1pPr>
+    <a:lvl2pPr marL="457200" algn="l" defTabSz="914400" rtl="0" eaLnBrk="1" latinLnBrk="0" hangingPunct="1">
+      <a:defRPr sz="1200" kern="1200">
+        <a:solidFill>
+          <a:schemeClr val="tx1"/>
+        </a:solidFill>
+        <a:latin typeface="+mn-lt"/>
+        <a:ea typeface="+mn-ea"/>
+        <a:cs typeface="+mn-cs"/>
+      </a:defRPr>
+    </a:lvl2pPr>
+    <a:lvl3pPr marL="914400" algn="l" defTabSz="914400" rtl="0" eaLnBrk="1" latinLnBrk="0" hangingPunct="1">
+      <a:defRPr sz="1200" kern="1200">
+        <a:solidFill>
+          <a:schemeClr val="tx1"/>
+        </a:solidFill>
+        <a:latin typeface="+mn-lt"/>
+        <a:ea typeface="+mn-ea"/>
+        <a:cs typeface="+mn-cs"/>
+      </a:defRPr>
+    </a:lvl3pPr>
+    <a:lvl4pPr marL="1371600" algn="l" defTabSz="914400" rtl="0" eaLnBrk="1" latinLnBrk="0" hangingPunct="1">
+      <a:defRPr sz="1200" kern="1200">
+        <a:solidFill>
+          <a:schemeClr val="tx1"/>
+        </a:solidFill>
+        <a:latin typeface="+mn-lt"/>
+        <a:ea typeface="+mn-ea"/>
+        <a:cs typeface="+mn-cs"/>
+      </a:defRPr>
+    </a:lvl4pPr>
+    <a:lvl5pPr marL="1828800" algn="l" defTabSz="914400" rtl="0" eaLnBrk="1" latinLnBrk="0" hangingPunct="1">
+      <a:defRPr sz="1200" kern="1200">
+        <a:solidFill>
+          <a:schemeClr val="tx1"/>
+        </a:solidFill>
+        <a:latin typeface="+mn-lt"/>
+        <a:ea typeface="+mn-ea"/>
+        <a:cs typeface="+mn-cs"/>
+      </a:defRPr>
+    </a:lvl5pPr>
+    <a:lvl6pPr marL="2286000" algn="l" defTabSz="914400" rtl="0" eaLnBrk="1" latinLnBrk="0" hangingPunct="1">
+      <a:defRPr sz="1200" kern="1200">
+        <a:solidFill>
+          <a:schemeClr val="tx1"/>
+        </a:solidFill>
+        <a:latin typeface="+mn-lt"/>
+        <a:ea typeface="+mn-ea"/>
+        <a:cs typeface="+mn-cs"/>
+      </a:defRPr>
+    </a:lvl6pPr>
+    <a:lvl7pPr marL="2743200" algn="l" defTabSz="914400" rtl="0" eaLnBrk="1" latinLnBrk="0" hangingPunct="1">
+      <a:defRPr sz="1200" kern="1200">
+        <a:solidFill>
+          <a:schemeClr val="tx1"/>
+        </a:solidFill>
+        <a:latin typeface="+mn-lt"/>
+        <a:ea typeface="+mn-ea"/>
+        <a:cs typeface="+mn-cs"/>
+      </a:defRPr>
+    </a:lvl7pPr>
+    <a:lvl8pPr marL="3200400" algn="l" defTabSz="914400" rtl="0" eaLnBrk="1" latinLnBrk="0" hangingPunct="1">
+      <a:defRPr sz="1200" kern="1200">
+        <a:solidFill>
+          <a:schemeClr val="tx1"/>
+        </a:solidFill>
+        <a:latin typeface="+mn-lt"/>
+        <a:ea typeface="+mn-ea"/>
+        <a:cs typeface="+mn-cs"/>
+      </a:defRPr>
+    </a:lvl8pPr>
+    <a:lvl9pPr marL="3657600" algn="l" defTabSz="914400" rtl="0" eaLnBrk="1" latinLnBrk="0" hangingPunct="1">
+      <a:defRPr sz="1200" kern="1200">
+        <a:solidFill>
+          <a:schemeClr val="tx1"/>
+        </a:solidFill>
+        <a:latin typeface="+mn-lt"/>
+        <a:ea typeface="+mn-ea"/>
+        <a:cs typeface="+mn-cs"/>
+      </a:defRPr>
+    </a:lvl9pPr>
+  </p:notesStyle>
+</p:notesMaster>
+</file>
+
+<file path=ppt/notesSlides/notesSlide1.xml><?xml version="1.0" encoding="utf-8"?>
+<p:notes xmlns:a="http://schemas.openxmlformats.org/drawingml/2006/main" xmlns:r="http://schemas.openxmlformats.org/officeDocument/2006/relationships" xmlns:p="http://schemas.openxmlformats.org/presentationml/2006/main">
+  <p:cSld>
+    <p:spTree>
+      <p:nvGrpSpPr>
+        <p:cNvPr id="1" name=""/>
+        <p:cNvGrpSpPr/>
+        <p:nvPr/>
+      </p:nvGrpSpPr>
+      <p:grpSpPr>
+        <a:xfrm>
+          <a:off x="0" y="0"/>
+          <a:ext cx="0" cy="0"/>
+          <a:chOff x="0" y="0"/>
+          <a:chExt cx="0" cy="0"/>
+        </a:xfrm>
+      </p:grpSpPr>
+      <p:sp>
+        <p:nvSpPr>
+          <p:cNvPr id="2" name="Slide Image Placeholder 1"/>
+          <p:cNvSpPr>
+            <a:spLocks noGrp="1" noRot="1" noChangeAspect="1"/>
+          </p:cNvSpPr>
+          <p:nvPr>
+            <p:ph type="sldImg"/>
+          </p:nvPr>
+        </p:nvSpPr>
+        <p:spPr/>
+      </p:sp>
+      <p:sp>
+        <p:nvSpPr>
+          <p:cNvPr id="3" name="Notes Placeholder 2"/>
+          <p:cNvSpPr>
+            <a:spLocks noGrp="1"/>
+          </p:cNvSpPr>
+          <p:nvPr>
+            <p:ph type="body" idx="1"/>
+          </p:nvPr>
+        </p:nvSpPr>
+        <p:spPr/>
+        <p:txBody>
+          <a:bodyPr/>
+          <a:lstStyle/>
+          <a:p>
+            <a:r>
+              <a:rPr lang="en-CA" b="1" dirty="0"/>
+              <a:t>PAT: </a:t>
+            </a:r>
+            <a:r>
+              <a:rPr lang="en-CA" b="0" dirty="0"/>
+              <a:t>Hello there, my name is Pat, and this is Curtis, Evan, and Devan. We here to present our website, BiFrost Games.</a:t>
+            </a:r>
+            <a:endParaRPr lang="en-CA" b="1" dirty="0"/>
+          </a:p>
+        </p:txBody>
+      </p:sp>
+      <p:sp>
+        <p:nvSpPr>
+          <p:cNvPr id="4" name="Slide Number Placeholder 3"/>
+          <p:cNvSpPr>
+            <a:spLocks noGrp="1"/>
+          </p:cNvSpPr>
+          <p:nvPr>
+            <p:ph type="sldNum" sz="quarter" idx="10"/>
+          </p:nvPr>
+        </p:nvSpPr>
+        <p:spPr/>
+        <p:txBody>
+          <a:bodyPr/>
+          <a:lstStyle/>
+          <a:p>
+            <a:fld id="{B969AB9A-5B0E-498F-B3EF-77369BC367E8}" type="slidenum">
+              <a:rPr lang="en-CA" smtClean="0"/>
+              <a:t>1</a:t>
+            </a:fld>
+            <a:endParaRPr lang="en-CA"/>
+          </a:p>
+        </p:txBody>
+      </p:sp>
+    </p:spTree>
+    <p:extLst>
+      <p:ext uri="{BB962C8B-B14F-4D97-AF65-F5344CB8AC3E}">
+        <p14:creationId xmlns:p14="http://schemas.microsoft.com/office/powerpoint/2010/main" val="1519697712"/>
+      </p:ext>
+    </p:extLst>
+  </p:cSld>
+  <p:clrMapOvr>
+    <a:masterClrMapping/>
+  </p:clrMapOvr>
+</p:notes>
+</file>
+
+<file path=ppt/notesSlides/notesSlide10.xml><?xml version="1.0" encoding="utf-8"?>
+<p:notes xmlns:a="http://schemas.openxmlformats.org/drawingml/2006/main" xmlns:r="http://schemas.openxmlformats.org/officeDocument/2006/relationships" xmlns:p="http://schemas.openxmlformats.org/presentationml/2006/main">
+  <p:cSld>
+    <p:spTree>
+      <p:nvGrpSpPr>
+        <p:cNvPr id="1" name=""/>
+        <p:cNvGrpSpPr/>
+        <p:nvPr/>
+      </p:nvGrpSpPr>
+      <p:grpSpPr>
+        <a:xfrm>
+          <a:off x="0" y="0"/>
+          <a:ext cx="0" cy="0"/>
+          <a:chOff x="0" y="0"/>
+          <a:chExt cx="0" cy="0"/>
+        </a:xfrm>
+      </p:grpSpPr>
+      <p:sp>
+        <p:nvSpPr>
+          <p:cNvPr id="2" name="Slide Image Placeholder 1"/>
+          <p:cNvSpPr>
+            <a:spLocks noGrp="1" noRot="1" noChangeAspect="1"/>
+          </p:cNvSpPr>
+          <p:nvPr>
+            <p:ph type="sldImg"/>
+          </p:nvPr>
+        </p:nvSpPr>
+        <p:spPr/>
+      </p:sp>
+      <p:sp>
+        <p:nvSpPr>
+          <p:cNvPr id="3" name="Notes Placeholder 2"/>
+          <p:cNvSpPr>
+            <a:spLocks noGrp="1"/>
+          </p:cNvSpPr>
+          <p:nvPr>
+            <p:ph type="body" idx="1"/>
+          </p:nvPr>
+        </p:nvSpPr>
+        <p:spPr/>
+        <p:txBody>
+          <a:bodyPr/>
+          <a:lstStyle/>
+          <a:p>
+            <a:pPr marL="0" marR="0" lvl="0" indent="0" algn="l" defTabSz="914400" rtl="0" eaLnBrk="1" fontAlgn="auto" latinLnBrk="0" hangingPunct="1">
+              <a:lnSpc>
+                <a:spcPct val="100000"/>
+              </a:lnSpc>
+              <a:spcBef>
+                <a:spcPts val="0"/>
+              </a:spcBef>
+              <a:spcAft>
+                <a:spcPts val="0"/>
+              </a:spcAft>
+              <a:buClrTx/>
+              <a:buSzTx/>
+              <a:buFontTx/>
+              <a:buNone/>
+              <a:tabLst/>
+              <a:defRPr/>
+            </a:pPr>
+            <a:r>
+              <a:rPr lang="en-CA" sz="1200" b="1" kern="1200" dirty="0">
+                <a:solidFill>
+                  <a:schemeClr val="tx1"/>
+                </a:solidFill>
+                <a:effectLst/>
+                <a:latin typeface="+mn-lt"/>
+                <a:ea typeface="+mn-ea"/>
+                <a:cs typeface="+mn-cs"/>
+              </a:rPr>
+              <a:t>EVAN: </a:t>
+            </a:r>
+            <a:r>
+              <a:rPr lang="en-CA" sz="1200" kern="1200" dirty="0">
+                <a:solidFill>
+                  <a:schemeClr val="tx1"/>
+                </a:solidFill>
+                <a:effectLst/>
+                <a:latin typeface="+mn-lt"/>
+                <a:ea typeface="+mn-ea"/>
+                <a:cs typeface="+mn-cs"/>
+              </a:rPr>
+              <a:t>This is a function used on our login page. It is setup to take a URL to direct to, a message to print to the screen, and a value of time, in milliseconds, to wait before redirecting. Different conditions are programmed to call this function with different values. For instance, if a user just created an account, they already have an automatic confirmation and redirection to the login page, so we don't want them delayed for a second time.</a:t>
+            </a:r>
+          </a:p>
+        </p:txBody>
+      </p:sp>
+      <p:sp>
+        <p:nvSpPr>
+          <p:cNvPr id="4" name="Slide Number Placeholder 3"/>
+          <p:cNvSpPr>
+            <a:spLocks noGrp="1"/>
+          </p:cNvSpPr>
+          <p:nvPr>
+            <p:ph type="sldNum" sz="quarter" idx="10"/>
+          </p:nvPr>
+        </p:nvSpPr>
+        <p:spPr/>
+        <p:txBody>
+          <a:bodyPr/>
+          <a:lstStyle/>
+          <a:p>
+            <a:fld id="{B969AB9A-5B0E-498F-B3EF-77369BC367E8}" type="slidenum">
+              <a:rPr lang="en-CA" smtClean="0"/>
+              <a:t>10</a:t>
+            </a:fld>
+            <a:endParaRPr lang="en-CA"/>
+          </a:p>
+        </p:txBody>
+      </p:sp>
+    </p:spTree>
+    <p:extLst>
+      <p:ext uri="{BB962C8B-B14F-4D97-AF65-F5344CB8AC3E}">
+        <p14:creationId xmlns:p14="http://schemas.microsoft.com/office/powerpoint/2010/main" val="717408070"/>
+      </p:ext>
+    </p:extLst>
+  </p:cSld>
+  <p:clrMapOvr>
+    <a:masterClrMapping/>
+  </p:clrMapOvr>
+</p:notes>
+</file>
+
+<file path=ppt/notesSlides/notesSlide11.xml><?xml version="1.0" encoding="utf-8"?>
+<p:notes xmlns:a="http://schemas.openxmlformats.org/drawingml/2006/main" xmlns:r="http://schemas.openxmlformats.org/officeDocument/2006/relationships" xmlns:p="http://schemas.openxmlformats.org/presentationml/2006/main">
+  <p:cSld>
+    <p:spTree>
+      <p:nvGrpSpPr>
+        <p:cNvPr id="1" name=""/>
+        <p:cNvGrpSpPr/>
+        <p:nvPr/>
+      </p:nvGrpSpPr>
+      <p:grpSpPr>
+        <a:xfrm>
+          <a:off x="0" y="0"/>
+          <a:ext cx="0" cy="0"/>
+          <a:chOff x="0" y="0"/>
+          <a:chExt cx="0" cy="0"/>
+        </a:xfrm>
+      </p:grpSpPr>
+      <p:sp>
+        <p:nvSpPr>
+          <p:cNvPr id="2" name="Slide Image Placeholder 1"/>
+          <p:cNvSpPr>
+            <a:spLocks noGrp="1" noRot="1" noChangeAspect="1"/>
+          </p:cNvSpPr>
+          <p:nvPr>
+            <p:ph type="sldImg"/>
+          </p:nvPr>
+        </p:nvSpPr>
+        <p:spPr/>
+      </p:sp>
+      <p:sp>
+        <p:nvSpPr>
+          <p:cNvPr id="3" name="Notes Placeholder 2"/>
+          <p:cNvSpPr>
+            <a:spLocks noGrp="1"/>
+          </p:cNvSpPr>
+          <p:nvPr>
+            <p:ph type="body" idx="1"/>
+          </p:nvPr>
+        </p:nvSpPr>
+        <p:spPr/>
+        <p:txBody>
+          <a:bodyPr/>
+          <a:lstStyle/>
+          <a:p>
+            <a:pPr marL="0" marR="0" lvl="0" indent="0" algn="l" defTabSz="914400" rtl="0" eaLnBrk="1" fontAlgn="auto" latinLnBrk="0" hangingPunct="1">
+              <a:lnSpc>
+                <a:spcPct val="100000"/>
+              </a:lnSpc>
+              <a:spcBef>
+                <a:spcPts val="0"/>
+              </a:spcBef>
+              <a:spcAft>
+                <a:spcPts val="0"/>
+              </a:spcAft>
+              <a:buClrTx/>
+              <a:buSzTx/>
+              <a:buFontTx/>
+              <a:buNone/>
+              <a:tabLst/>
+              <a:defRPr/>
+            </a:pPr>
+            <a:r>
+              <a:rPr lang="en-CA" sz="1200" b="1" kern="1200" dirty="0">
+                <a:solidFill>
+                  <a:schemeClr val="tx1"/>
+                </a:solidFill>
+                <a:effectLst/>
+                <a:latin typeface="+mn-lt"/>
+                <a:ea typeface="+mn-ea"/>
+                <a:cs typeface="+mn-cs"/>
+              </a:rPr>
+              <a:t>DEVAN</a:t>
+            </a:r>
+            <a:r>
+              <a:rPr lang="en-CA" sz="1200" kern="1200" dirty="0">
+                <a:solidFill>
+                  <a:schemeClr val="tx1"/>
+                </a:solidFill>
+                <a:effectLst/>
+                <a:latin typeface="+mn-lt"/>
+                <a:ea typeface="+mn-ea"/>
+                <a:cs typeface="+mn-cs"/>
+              </a:rPr>
+              <a:t>: I’m proud of this code because the checkout is actually only 1 “page” but it acts like 3! Using </a:t>
+            </a:r>
+            <a:r>
+              <a:rPr lang="en-CA" sz="1200" kern="1200" dirty="0" err="1">
+                <a:solidFill>
+                  <a:schemeClr val="tx1"/>
+                </a:solidFill>
+                <a:effectLst/>
+                <a:latin typeface="+mn-lt"/>
+                <a:ea typeface="+mn-ea"/>
+                <a:cs typeface="+mn-cs"/>
+              </a:rPr>
+              <a:t>pagenum</a:t>
+            </a:r>
+            <a:r>
+              <a:rPr lang="en-CA" sz="1200" kern="1200" dirty="0">
+                <a:solidFill>
+                  <a:schemeClr val="tx1"/>
+                </a:solidFill>
+                <a:effectLst/>
+                <a:latin typeface="+mn-lt"/>
+                <a:ea typeface="+mn-ea"/>
+                <a:cs typeface="+mn-cs"/>
+              </a:rPr>
+              <a:t> which is set to 1 at first, the if statement checks to see what number it is, since it starts at 1 it will display the first page. When you click submit on the first page, </a:t>
+            </a:r>
+            <a:r>
+              <a:rPr lang="en-CA" sz="1200" kern="1200" dirty="0" err="1">
+                <a:solidFill>
+                  <a:schemeClr val="tx1"/>
+                </a:solidFill>
+                <a:effectLst/>
+                <a:latin typeface="+mn-lt"/>
+                <a:ea typeface="+mn-ea"/>
+                <a:cs typeface="+mn-cs"/>
+              </a:rPr>
+              <a:t>pagenum</a:t>
+            </a:r>
+            <a:r>
+              <a:rPr lang="en-CA" sz="1200" kern="1200" dirty="0">
+                <a:solidFill>
+                  <a:schemeClr val="tx1"/>
+                </a:solidFill>
+                <a:effectLst/>
+                <a:latin typeface="+mn-lt"/>
+                <a:ea typeface="+mn-ea"/>
+                <a:cs typeface="+mn-cs"/>
+              </a:rPr>
+              <a:t> becomes set to 2 and the page refreshes, the if statement then goes to the elseif checking to see if </a:t>
+            </a:r>
+            <a:r>
+              <a:rPr lang="en-CA" sz="1200" kern="1200" dirty="0" err="1">
+                <a:solidFill>
+                  <a:schemeClr val="tx1"/>
+                </a:solidFill>
+                <a:effectLst/>
+                <a:latin typeface="+mn-lt"/>
+                <a:ea typeface="+mn-ea"/>
+                <a:cs typeface="+mn-cs"/>
+              </a:rPr>
+              <a:t>pagenum</a:t>
+            </a:r>
+            <a:r>
+              <a:rPr lang="en-CA" sz="1200" kern="1200" dirty="0">
+                <a:solidFill>
+                  <a:schemeClr val="tx1"/>
+                </a:solidFill>
+                <a:effectLst/>
+                <a:latin typeface="+mn-lt"/>
+                <a:ea typeface="+mn-ea"/>
+                <a:cs typeface="+mn-cs"/>
+              </a:rPr>
+              <a:t> is 2 which it is, it then displays page 2. After you pay with stripe </a:t>
+            </a:r>
+            <a:r>
+              <a:rPr lang="en-CA" sz="1200" kern="1200" dirty="0" err="1">
+                <a:solidFill>
+                  <a:schemeClr val="tx1"/>
+                </a:solidFill>
+                <a:effectLst/>
+                <a:latin typeface="+mn-lt"/>
+                <a:ea typeface="+mn-ea"/>
+                <a:cs typeface="+mn-cs"/>
+              </a:rPr>
+              <a:t>pagenum</a:t>
+            </a:r>
+            <a:r>
+              <a:rPr lang="en-CA" sz="1200" kern="1200" dirty="0">
+                <a:solidFill>
+                  <a:schemeClr val="tx1"/>
+                </a:solidFill>
+                <a:effectLst/>
+                <a:latin typeface="+mn-lt"/>
+                <a:ea typeface="+mn-ea"/>
+                <a:cs typeface="+mn-cs"/>
+              </a:rPr>
+              <a:t> is set to 3 which means the else statement at the end comes into effect showing the confirmation page.</a:t>
+            </a:r>
+          </a:p>
+        </p:txBody>
+      </p:sp>
+      <p:sp>
+        <p:nvSpPr>
+          <p:cNvPr id="4" name="Slide Number Placeholder 3"/>
+          <p:cNvSpPr>
+            <a:spLocks noGrp="1"/>
+          </p:cNvSpPr>
+          <p:nvPr>
+            <p:ph type="sldNum" sz="quarter" idx="10"/>
+          </p:nvPr>
+        </p:nvSpPr>
+        <p:spPr/>
+        <p:txBody>
+          <a:bodyPr/>
+          <a:lstStyle/>
+          <a:p>
+            <a:fld id="{B969AB9A-5B0E-498F-B3EF-77369BC367E8}" type="slidenum">
+              <a:rPr lang="en-CA" smtClean="0"/>
+              <a:t>11</a:t>
+            </a:fld>
+            <a:endParaRPr lang="en-CA"/>
+          </a:p>
+        </p:txBody>
+      </p:sp>
+    </p:spTree>
+    <p:extLst>
+      <p:ext uri="{BB962C8B-B14F-4D97-AF65-F5344CB8AC3E}">
+        <p14:creationId xmlns:p14="http://schemas.microsoft.com/office/powerpoint/2010/main" val="2153565735"/>
+      </p:ext>
+    </p:extLst>
+  </p:cSld>
+  <p:clrMapOvr>
+    <a:masterClrMapping/>
+  </p:clrMapOvr>
+</p:notes>
+</file>
+
+<file path=ppt/notesSlides/notesSlide12.xml><?xml version="1.0" encoding="utf-8"?>
+<p:notes xmlns:a="http://schemas.openxmlformats.org/drawingml/2006/main" xmlns:r="http://schemas.openxmlformats.org/officeDocument/2006/relationships" xmlns:p="http://schemas.openxmlformats.org/presentationml/2006/main">
+  <p:cSld>
+    <p:spTree>
+      <p:nvGrpSpPr>
+        <p:cNvPr id="1" name=""/>
+        <p:cNvGrpSpPr/>
+        <p:nvPr/>
+      </p:nvGrpSpPr>
+      <p:grpSpPr>
+        <a:xfrm>
+          <a:off x="0" y="0"/>
+          <a:ext cx="0" cy="0"/>
+          <a:chOff x="0" y="0"/>
+          <a:chExt cx="0" cy="0"/>
+        </a:xfrm>
+      </p:grpSpPr>
+      <p:sp>
+        <p:nvSpPr>
+          <p:cNvPr id="2" name="Slide Image Placeholder 1"/>
+          <p:cNvSpPr>
+            <a:spLocks noGrp="1" noRot="1" noChangeAspect="1"/>
+          </p:cNvSpPr>
+          <p:nvPr>
+            <p:ph type="sldImg"/>
+          </p:nvPr>
+        </p:nvSpPr>
+        <p:spPr/>
+      </p:sp>
+      <p:sp>
+        <p:nvSpPr>
+          <p:cNvPr id="3" name="Notes Placeholder 2"/>
+          <p:cNvSpPr>
+            <a:spLocks noGrp="1"/>
+          </p:cNvSpPr>
+          <p:nvPr>
+            <p:ph type="body" idx="1"/>
+          </p:nvPr>
+        </p:nvSpPr>
+        <p:spPr/>
+        <p:txBody>
+          <a:bodyPr/>
+          <a:lstStyle/>
+          <a:p>
+            <a:r>
+              <a:rPr lang="en-CA" b="1" dirty="0"/>
+              <a:t>PAT</a:t>
+            </a:r>
+            <a:r>
+              <a:rPr lang="en-CA" dirty="0"/>
+              <a:t>: This function is for the terms of service/privacy policy, which we decided to put into the side navigation for a cleaner look. If accessed via the signup page, the agree function will auto click the TOS checkbox for users. The agree function also updates the policy attribute on the back-end using ajax.</a:t>
+            </a:r>
+          </a:p>
+          <a:p>
+            <a:endParaRPr lang="en-CA" dirty="0"/>
+          </a:p>
+          <a:p>
+            <a:r>
+              <a:rPr lang="en-CA" b="1" dirty="0"/>
+              <a:t>CURTIS: </a:t>
+            </a:r>
+            <a:r>
+              <a:rPr lang="en-CA" b="0" dirty="0"/>
+              <a:t>I ajax on YOUR back-end!</a:t>
+            </a:r>
+            <a:endParaRPr lang="en-CA" b="1" dirty="0"/>
+          </a:p>
+        </p:txBody>
+      </p:sp>
+      <p:sp>
+        <p:nvSpPr>
+          <p:cNvPr id="4" name="Slide Number Placeholder 3"/>
+          <p:cNvSpPr>
+            <a:spLocks noGrp="1"/>
+          </p:cNvSpPr>
+          <p:nvPr>
+            <p:ph type="sldNum" sz="quarter" idx="10"/>
+          </p:nvPr>
+        </p:nvSpPr>
+        <p:spPr/>
+        <p:txBody>
+          <a:bodyPr/>
+          <a:lstStyle/>
+          <a:p>
+            <a:fld id="{B969AB9A-5B0E-498F-B3EF-77369BC367E8}" type="slidenum">
+              <a:rPr lang="en-CA" smtClean="0"/>
+              <a:t>12</a:t>
+            </a:fld>
+            <a:endParaRPr lang="en-CA"/>
+          </a:p>
+        </p:txBody>
+      </p:sp>
+    </p:spTree>
+    <p:extLst>
+      <p:ext uri="{BB962C8B-B14F-4D97-AF65-F5344CB8AC3E}">
+        <p14:creationId xmlns:p14="http://schemas.microsoft.com/office/powerpoint/2010/main" val="3696506528"/>
+      </p:ext>
+    </p:extLst>
+  </p:cSld>
+  <p:clrMapOvr>
+    <a:masterClrMapping/>
+  </p:clrMapOvr>
+</p:notes>
+</file>
+
+<file path=ppt/notesSlides/notesSlide13.xml><?xml version="1.0" encoding="utf-8"?>
+<p:notes xmlns:a="http://schemas.openxmlformats.org/drawingml/2006/main" xmlns:r="http://schemas.openxmlformats.org/officeDocument/2006/relationships" xmlns:p="http://schemas.openxmlformats.org/presentationml/2006/main">
+  <p:cSld>
+    <p:spTree>
+      <p:nvGrpSpPr>
+        <p:cNvPr id="1" name=""/>
+        <p:cNvGrpSpPr/>
+        <p:nvPr/>
+      </p:nvGrpSpPr>
+      <p:grpSpPr>
+        <a:xfrm>
+          <a:off x="0" y="0"/>
+          <a:ext cx="0" cy="0"/>
+          <a:chOff x="0" y="0"/>
+          <a:chExt cx="0" cy="0"/>
+        </a:xfrm>
+      </p:grpSpPr>
+      <p:sp>
+        <p:nvSpPr>
+          <p:cNvPr id="2" name="Slide Image Placeholder 1"/>
+          <p:cNvSpPr>
+            <a:spLocks noGrp="1" noRot="1" noChangeAspect="1"/>
+          </p:cNvSpPr>
+          <p:nvPr>
+            <p:ph type="sldImg"/>
+          </p:nvPr>
+        </p:nvSpPr>
+        <p:spPr/>
+      </p:sp>
+      <p:sp>
+        <p:nvSpPr>
+          <p:cNvPr id="3" name="Notes Placeholder 2"/>
+          <p:cNvSpPr>
+            <a:spLocks noGrp="1"/>
+          </p:cNvSpPr>
+          <p:nvPr>
+            <p:ph type="body" idx="1"/>
+          </p:nvPr>
+        </p:nvSpPr>
+        <p:spPr/>
+        <p:txBody>
+          <a:bodyPr/>
+          <a:lstStyle/>
+          <a:p>
+            <a:r>
+              <a:rPr lang="en-CA" b="1" dirty="0"/>
+              <a:t>DEVAN: </a:t>
+            </a:r>
+            <a:endParaRPr lang="en-CA" dirty="0"/>
+          </a:p>
+        </p:txBody>
+      </p:sp>
+      <p:sp>
+        <p:nvSpPr>
+          <p:cNvPr id="4" name="Slide Number Placeholder 3"/>
+          <p:cNvSpPr>
+            <a:spLocks noGrp="1"/>
+          </p:cNvSpPr>
+          <p:nvPr>
+            <p:ph type="sldNum" sz="quarter" idx="10"/>
+          </p:nvPr>
+        </p:nvSpPr>
+        <p:spPr/>
+        <p:txBody>
+          <a:bodyPr/>
+          <a:lstStyle/>
+          <a:p>
+            <a:fld id="{B969AB9A-5B0E-498F-B3EF-77369BC367E8}" type="slidenum">
+              <a:rPr lang="en-CA" smtClean="0"/>
+              <a:t>13</a:t>
+            </a:fld>
+            <a:endParaRPr lang="en-CA"/>
+          </a:p>
+        </p:txBody>
+      </p:sp>
+    </p:spTree>
+    <p:extLst>
+      <p:ext uri="{BB962C8B-B14F-4D97-AF65-F5344CB8AC3E}">
+        <p14:creationId xmlns:p14="http://schemas.microsoft.com/office/powerpoint/2010/main" val="286553620"/>
+      </p:ext>
+    </p:extLst>
+  </p:cSld>
+  <p:clrMapOvr>
+    <a:masterClrMapping/>
+  </p:clrMapOvr>
+</p:notes>
+</file>
+
+<file path=ppt/notesSlides/notesSlide14.xml><?xml version="1.0" encoding="utf-8"?>
+<p:notes xmlns:a="http://schemas.openxmlformats.org/drawingml/2006/main" xmlns:r="http://schemas.openxmlformats.org/officeDocument/2006/relationships" xmlns:p="http://schemas.openxmlformats.org/presentationml/2006/main">
+  <p:cSld>
+    <p:spTree>
+      <p:nvGrpSpPr>
+        <p:cNvPr id="1" name=""/>
+        <p:cNvGrpSpPr/>
+        <p:nvPr/>
+      </p:nvGrpSpPr>
+      <p:grpSpPr>
+        <a:xfrm>
+          <a:off x="0" y="0"/>
+          <a:ext cx="0" cy="0"/>
+          <a:chOff x="0" y="0"/>
+          <a:chExt cx="0" cy="0"/>
+        </a:xfrm>
+      </p:grpSpPr>
+      <p:sp>
+        <p:nvSpPr>
+          <p:cNvPr id="2" name="Slide Image Placeholder 1"/>
+          <p:cNvSpPr>
+            <a:spLocks noGrp="1" noRot="1" noChangeAspect="1"/>
+          </p:cNvSpPr>
+          <p:nvPr>
+            <p:ph type="sldImg"/>
+          </p:nvPr>
+        </p:nvSpPr>
+        <p:spPr/>
+      </p:sp>
+      <p:sp>
+        <p:nvSpPr>
+          <p:cNvPr id="3" name="Notes Placeholder 2"/>
+          <p:cNvSpPr>
+            <a:spLocks noGrp="1"/>
+          </p:cNvSpPr>
+          <p:nvPr>
+            <p:ph type="body" idx="1"/>
+          </p:nvPr>
+        </p:nvSpPr>
+        <p:spPr/>
+        <p:txBody>
+          <a:bodyPr/>
+          <a:lstStyle/>
+          <a:p>
+            <a:r>
+              <a:rPr lang="en-CA" b="1" dirty="0"/>
+              <a:t>DEVAN: </a:t>
+            </a:r>
+            <a:endParaRPr lang="en-CA" dirty="0"/>
+          </a:p>
+        </p:txBody>
+      </p:sp>
+      <p:sp>
+        <p:nvSpPr>
+          <p:cNvPr id="4" name="Slide Number Placeholder 3"/>
+          <p:cNvSpPr>
+            <a:spLocks noGrp="1"/>
+          </p:cNvSpPr>
+          <p:nvPr>
+            <p:ph type="sldNum" sz="quarter" idx="10"/>
+          </p:nvPr>
+        </p:nvSpPr>
+        <p:spPr/>
+        <p:txBody>
+          <a:bodyPr/>
+          <a:lstStyle/>
+          <a:p>
+            <a:fld id="{B969AB9A-5B0E-498F-B3EF-77369BC367E8}" type="slidenum">
+              <a:rPr lang="en-CA" smtClean="0"/>
+              <a:t>14</a:t>
+            </a:fld>
+            <a:endParaRPr lang="en-CA"/>
+          </a:p>
+        </p:txBody>
+      </p:sp>
+    </p:spTree>
+    <p:extLst>
+      <p:ext uri="{BB962C8B-B14F-4D97-AF65-F5344CB8AC3E}">
+        <p14:creationId xmlns:p14="http://schemas.microsoft.com/office/powerpoint/2010/main" val="2230580288"/>
+      </p:ext>
+    </p:extLst>
+  </p:cSld>
+  <p:clrMapOvr>
+    <a:masterClrMapping/>
+  </p:clrMapOvr>
+</p:notes>
+</file>
+
+<file path=ppt/notesSlides/notesSlide15.xml><?xml version="1.0" encoding="utf-8"?>
+<p:notes xmlns:a="http://schemas.openxmlformats.org/drawingml/2006/main" xmlns:r="http://schemas.openxmlformats.org/officeDocument/2006/relationships" xmlns:p="http://schemas.openxmlformats.org/presentationml/2006/main">
+  <p:cSld>
+    <p:spTree>
+      <p:nvGrpSpPr>
+        <p:cNvPr id="1" name=""/>
+        <p:cNvGrpSpPr/>
+        <p:nvPr/>
+      </p:nvGrpSpPr>
+      <p:grpSpPr>
+        <a:xfrm>
+          <a:off x="0" y="0"/>
+          <a:ext cx="0" cy="0"/>
+          <a:chOff x="0" y="0"/>
+          <a:chExt cx="0" cy="0"/>
+        </a:xfrm>
+      </p:grpSpPr>
+      <p:sp>
+        <p:nvSpPr>
+          <p:cNvPr id="2" name="Slide Image Placeholder 1"/>
+          <p:cNvSpPr>
+            <a:spLocks noGrp="1" noRot="1" noChangeAspect="1"/>
+          </p:cNvSpPr>
+          <p:nvPr>
+            <p:ph type="sldImg"/>
+          </p:nvPr>
+        </p:nvSpPr>
+        <p:spPr/>
+      </p:sp>
+      <p:sp>
+        <p:nvSpPr>
+          <p:cNvPr id="3" name="Notes Placeholder 2"/>
+          <p:cNvSpPr>
+            <a:spLocks noGrp="1"/>
+          </p:cNvSpPr>
+          <p:nvPr>
+            <p:ph type="body" idx="1"/>
+          </p:nvPr>
+        </p:nvSpPr>
+        <p:spPr/>
+        <p:txBody>
+          <a:bodyPr/>
+          <a:lstStyle/>
+          <a:p>
+            <a:r>
+              <a:rPr lang="en-CA" b="1" dirty="0"/>
+              <a:t>DEVAN: </a:t>
+            </a:r>
+            <a:endParaRPr lang="en-CA" dirty="0"/>
+          </a:p>
+        </p:txBody>
+      </p:sp>
+      <p:sp>
+        <p:nvSpPr>
+          <p:cNvPr id="4" name="Slide Number Placeholder 3"/>
+          <p:cNvSpPr>
+            <a:spLocks noGrp="1"/>
+          </p:cNvSpPr>
+          <p:nvPr>
+            <p:ph type="sldNum" sz="quarter" idx="10"/>
+          </p:nvPr>
+        </p:nvSpPr>
+        <p:spPr/>
+        <p:txBody>
+          <a:bodyPr/>
+          <a:lstStyle/>
+          <a:p>
+            <a:fld id="{B969AB9A-5B0E-498F-B3EF-77369BC367E8}" type="slidenum">
+              <a:rPr lang="en-CA" smtClean="0"/>
+              <a:t>15</a:t>
+            </a:fld>
+            <a:endParaRPr lang="en-CA"/>
+          </a:p>
+        </p:txBody>
+      </p:sp>
+    </p:spTree>
+    <p:extLst>
+      <p:ext uri="{BB962C8B-B14F-4D97-AF65-F5344CB8AC3E}">
+        <p14:creationId xmlns:p14="http://schemas.microsoft.com/office/powerpoint/2010/main" val="3230294423"/>
+      </p:ext>
+    </p:extLst>
+  </p:cSld>
+  <p:clrMapOvr>
+    <a:masterClrMapping/>
+  </p:clrMapOvr>
+</p:notes>
+</file>
+
+<file path=ppt/notesSlides/notesSlide16.xml><?xml version="1.0" encoding="utf-8"?>
+<p:notes xmlns:a="http://schemas.openxmlformats.org/drawingml/2006/main" xmlns:r="http://schemas.openxmlformats.org/officeDocument/2006/relationships" xmlns:p="http://schemas.openxmlformats.org/presentationml/2006/main">
+  <p:cSld>
+    <p:spTree>
+      <p:nvGrpSpPr>
+        <p:cNvPr id="1" name=""/>
+        <p:cNvGrpSpPr/>
+        <p:nvPr/>
+      </p:nvGrpSpPr>
+      <p:grpSpPr>
+        <a:xfrm>
+          <a:off x="0" y="0"/>
+          <a:ext cx="0" cy="0"/>
+          <a:chOff x="0" y="0"/>
+          <a:chExt cx="0" cy="0"/>
+        </a:xfrm>
+      </p:grpSpPr>
+      <p:sp>
+        <p:nvSpPr>
+          <p:cNvPr id="2" name="Slide Image Placeholder 1"/>
+          <p:cNvSpPr>
+            <a:spLocks noGrp="1" noRot="1" noChangeAspect="1"/>
+          </p:cNvSpPr>
+          <p:nvPr>
+            <p:ph type="sldImg"/>
+          </p:nvPr>
+        </p:nvSpPr>
+        <p:spPr/>
+      </p:sp>
+      <p:sp>
+        <p:nvSpPr>
+          <p:cNvPr id="3" name="Notes Placeholder 2"/>
+          <p:cNvSpPr>
+            <a:spLocks noGrp="1"/>
+          </p:cNvSpPr>
+          <p:nvPr>
+            <p:ph type="body" idx="1"/>
+          </p:nvPr>
+        </p:nvSpPr>
+        <p:spPr/>
+        <p:txBody>
+          <a:bodyPr/>
+          <a:lstStyle/>
+          <a:p>
+            <a:r>
+              <a:rPr lang="en-CA" b="1" dirty="0"/>
+              <a:t>DEVAN: </a:t>
+            </a:r>
+            <a:endParaRPr lang="en-CA" dirty="0"/>
+          </a:p>
+        </p:txBody>
+      </p:sp>
+      <p:sp>
+        <p:nvSpPr>
+          <p:cNvPr id="4" name="Slide Number Placeholder 3"/>
+          <p:cNvSpPr>
+            <a:spLocks noGrp="1"/>
+          </p:cNvSpPr>
+          <p:nvPr>
+            <p:ph type="sldNum" sz="quarter" idx="10"/>
+          </p:nvPr>
+        </p:nvSpPr>
+        <p:spPr/>
+        <p:txBody>
+          <a:bodyPr/>
+          <a:lstStyle/>
+          <a:p>
+            <a:fld id="{B969AB9A-5B0E-498F-B3EF-77369BC367E8}" type="slidenum">
+              <a:rPr lang="en-CA" smtClean="0"/>
+              <a:t>16</a:t>
+            </a:fld>
+            <a:endParaRPr lang="en-CA"/>
+          </a:p>
+        </p:txBody>
+      </p:sp>
+    </p:spTree>
+    <p:extLst>
+      <p:ext uri="{BB962C8B-B14F-4D97-AF65-F5344CB8AC3E}">
+        <p14:creationId xmlns:p14="http://schemas.microsoft.com/office/powerpoint/2010/main" val="3043195021"/>
+      </p:ext>
+    </p:extLst>
+  </p:cSld>
+  <p:clrMapOvr>
+    <a:masterClrMapping/>
+  </p:clrMapOvr>
+</p:notes>
+</file>
+
+<file path=ppt/notesSlides/notesSlide17.xml><?xml version="1.0" encoding="utf-8"?>
+<p:notes xmlns:a="http://schemas.openxmlformats.org/drawingml/2006/main" xmlns:r="http://schemas.openxmlformats.org/officeDocument/2006/relationships" xmlns:p="http://schemas.openxmlformats.org/presentationml/2006/main">
+  <p:cSld>
+    <p:spTree>
+      <p:nvGrpSpPr>
+        <p:cNvPr id="1" name=""/>
+        <p:cNvGrpSpPr/>
+        <p:nvPr/>
+      </p:nvGrpSpPr>
+      <p:grpSpPr>
+        <a:xfrm>
+          <a:off x="0" y="0"/>
+          <a:ext cx="0" cy="0"/>
+          <a:chOff x="0" y="0"/>
+          <a:chExt cx="0" cy="0"/>
+        </a:xfrm>
+      </p:grpSpPr>
+      <p:sp>
+        <p:nvSpPr>
+          <p:cNvPr id="2" name="Slide Image Placeholder 1"/>
+          <p:cNvSpPr>
+            <a:spLocks noGrp="1" noRot="1" noChangeAspect="1"/>
+          </p:cNvSpPr>
+          <p:nvPr>
+            <p:ph type="sldImg"/>
+          </p:nvPr>
+        </p:nvSpPr>
+        <p:spPr/>
+      </p:sp>
+      <p:sp>
+        <p:nvSpPr>
+          <p:cNvPr id="3" name="Notes Placeholder 2"/>
+          <p:cNvSpPr>
+            <a:spLocks noGrp="1"/>
+          </p:cNvSpPr>
+          <p:nvPr>
+            <p:ph type="body" idx="1"/>
+          </p:nvPr>
+        </p:nvSpPr>
+        <p:spPr/>
+        <p:txBody>
+          <a:bodyPr/>
+          <a:lstStyle/>
+          <a:p>
+            <a:r>
+              <a:rPr lang="en-CA" b="1" dirty="0"/>
+              <a:t>DEVAN: </a:t>
+            </a:r>
+          </a:p>
+        </p:txBody>
+      </p:sp>
+      <p:sp>
+        <p:nvSpPr>
+          <p:cNvPr id="4" name="Slide Number Placeholder 3"/>
+          <p:cNvSpPr>
+            <a:spLocks noGrp="1"/>
+          </p:cNvSpPr>
+          <p:nvPr>
+            <p:ph type="sldNum" sz="quarter" idx="10"/>
+          </p:nvPr>
+        </p:nvSpPr>
+        <p:spPr/>
+        <p:txBody>
+          <a:bodyPr/>
+          <a:lstStyle/>
+          <a:p>
+            <a:fld id="{B969AB9A-5B0E-498F-B3EF-77369BC367E8}" type="slidenum">
+              <a:rPr lang="en-CA" smtClean="0"/>
+              <a:t>17</a:t>
+            </a:fld>
+            <a:endParaRPr lang="en-CA"/>
+          </a:p>
+        </p:txBody>
+      </p:sp>
+    </p:spTree>
+    <p:extLst>
+      <p:ext uri="{BB962C8B-B14F-4D97-AF65-F5344CB8AC3E}">
+        <p14:creationId xmlns:p14="http://schemas.microsoft.com/office/powerpoint/2010/main" val="4182901553"/>
+      </p:ext>
+    </p:extLst>
+  </p:cSld>
+  <p:clrMapOvr>
+    <a:masterClrMapping/>
+  </p:clrMapOvr>
+</p:notes>
+</file>
+
+<file path=ppt/notesSlides/notesSlide18.xml><?xml version="1.0" encoding="utf-8"?>
+<p:notes xmlns:a="http://schemas.openxmlformats.org/drawingml/2006/main" xmlns:r="http://schemas.openxmlformats.org/officeDocument/2006/relationships" xmlns:p="http://schemas.openxmlformats.org/presentationml/2006/main">
+  <p:cSld>
+    <p:spTree>
+      <p:nvGrpSpPr>
+        <p:cNvPr id="1" name=""/>
+        <p:cNvGrpSpPr/>
+        <p:nvPr/>
+      </p:nvGrpSpPr>
+      <p:grpSpPr>
+        <a:xfrm>
+          <a:off x="0" y="0"/>
+          <a:ext cx="0" cy="0"/>
+          <a:chOff x="0" y="0"/>
+          <a:chExt cx="0" cy="0"/>
+        </a:xfrm>
+      </p:grpSpPr>
+      <p:sp>
+        <p:nvSpPr>
+          <p:cNvPr id="2" name="Slide Image Placeholder 1"/>
+          <p:cNvSpPr>
+            <a:spLocks noGrp="1" noRot="1" noChangeAspect="1"/>
+          </p:cNvSpPr>
+          <p:nvPr>
+            <p:ph type="sldImg"/>
+          </p:nvPr>
+        </p:nvSpPr>
+        <p:spPr/>
+      </p:sp>
+      <p:sp>
+        <p:nvSpPr>
+          <p:cNvPr id="3" name="Notes Placeholder 2"/>
+          <p:cNvSpPr>
+            <a:spLocks noGrp="1"/>
+          </p:cNvSpPr>
+          <p:nvPr>
+            <p:ph type="body" idx="1"/>
+          </p:nvPr>
+        </p:nvSpPr>
+        <p:spPr/>
+        <p:txBody>
+          <a:bodyPr/>
+          <a:lstStyle/>
+          <a:p>
+            <a:r>
+              <a:rPr lang="en-CA" b="1" dirty="0"/>
+              <a:t>DEVAN: </a:t>
+            </a:r>
+            <a:endParaRPr lang="en-CA" dirty="0"/>
+          </a:p>
+        </p:txBody>
+      </p:sp>
+      <p:sp>
+        <p:nvSpPr>
+          <p:cNvPr id="4" name="Slide Number Placeholder 3"/>
+          <p:cNvSpPr>
+            <a:spLocks noGrp="1"/>
+          </p:cNvSpPr>
+          <p:nvPr>
+            <p:ph type="sldNum" sz="quarter" idx="10"/>
+          </p:nvPr>
+        </p:nvSpPr>
+        <p:spPr/>
+        <p:txBody>
+          <a:bodyPr/>
+          <a:lstStyle/>
+          <a:p>
+            <a:fld id="{B969AB9A-5B0E-498F-B3EF-77369BC367E8}" type="slidenum">
+              <a:rPr lang="en-CA" smtClean="0"/>
+              <a:t>18</a:t>
+            </a:fld>
+            <a:endParaRPr lang="en-CA"/>
+          </a:p>
+        </p:txBody>
+      </p:sp>
+    </p:spTree>
+    <p:extLst>
+      <p:ext uri="{BB962C8B-B14F-4D97-AF65-F5344CB8AC3E}">
+        <p14:creationId xmlns:p14="http://schemas.microsoft.com/office/powerpoint/2010/main" val="2165139373"/>
+      </p:ext>
+    </p:extLst>
+  </p:cSld>
+  <p:clrMapOvr>
+    <a:masterClrMapping/>
+  </p:clrMapOvr>
+</p:notes>
+</file>
+
+<file path=ppt/notesSlides/notesSlide19.xml><?xml version="1.0" encoding="utf-8"?>
+<p:notes xmlns:a="http://schemas.openxmlformats.org/drawingml/2006/main" xmlns:r="http://schemas.openxmlformats.org/officeDocument/2006/relationships" xmlns:p="http://schemas.openxmlformats.org/presentationml/2006/main">
+  <p:cSld>
+    <p:spTree>
+      <p:nvGrpSpPr>
+        <p:cNvPr id="1" name=""/>
+        <p:cNvGrpSpPr/>
+        <p:nvPr/>
+      </p:nvGrpSpPr>
+      <p:grpSpPr>
+        <a:xfrm>
+          <a:off x="0" y="0"/>
+          <a:ext cx="0" cy="0"/>
+          <a:chOff x="0" y="0"/>
+          <a:chExt cx="0" cy="0"/>
+        </a:xfrm>
+      </p:grpSpPr>
+      <p:sp>
+        <p:nvSpPr>
+          <p:cNvPr id="2" name="Slide Image Placeholder 1"/>
+          <p:cNvSpPr>
+            <a:spLocks noGrp="1" noRot="1" noChangeAspect="1"/>
+          </p:cNvSpPr>
+          <p:nvPr>
+            <p:ph type="sldImg"/>
+          </p:nvPr>
+        </p:nvSpPr>
+        <p:spPr/>
+      </p:sp>
+      <p:sp>
+        <p:nvSpPr>
+          <p:cNvPr id="3" name="Notes Placeholder 2"/>
+          <p:cNvSpPr>
+            <a:spLocks noGrp="1"/>
+          </p:cNvSpPr>
+          <p:nvPr>
+            <p:ph type="body" idx="1"/>
+          </p:nvPr>
+        </p:nvSpPr>
+        <p:spPr/>
+        <p:txBody>
+          <a:bodyPr/>
+          <a:lstStyle/>
+          <a:p>
+            <a:r>
+              <a:rPr lang="en-CA" b="1" dirty="0"/>
+              <a:t>DEVAN: </a:t>
+            </a:r>
+          </a:p>
+        </p:txBody>
+      </p:sp>
+      <p:sp>
+        <p:nvSpPr>
+          <p:cNvPr id="4" name="Slide Number Placeholder 3"/>
+          <p:cNvSpPr>
+            <a:spLocks noGrp="1"/>
+          </p:cNvSpPr>
+          <p:nvPr>
+            <p:ph type="sldNum" sz="quarter" idx="10"/>
+          </p:nvPr>
+        </p:nvSpPr>
+        <p:spPr/>
+        <p:txBody>
+          <a:bodyPr/>
+          <a:lstStyle/>
+          <a:p>
+            <a:fld id="{B969AB9A-5B0E-498F-B3EF-77369BC367E8}" type="slidenum">
+              <a:rPr lang="en-CA" smtClean="0"/>
+              <a:t>19</a:t>
+            </a:fld>
+            <a:endParaRPr lang="en-CA"/>
+          </a:p>
+        </p:txBody>
+      </p:sp>
+    </p:spTree>
+    <p:extLst>
+      <p:ext uri="{BB962C8B-B14F-4D97-AF65-F5344CB8AC3E}">
+        <p14:creationId xmlns:p14="http://schemas.microsoft.com/office/powerpoint/2010/main" val="113396323"/>
+      </p:ext>
+    </p:extLst>
+  </p:cSld>
+  <p:clrMapOvr>
+    <a:masterClrMapping/>
+  </p:clrMapOvr>
+</p:notes>
+</file>
+
+<file path=ppt/notesSlides/notesSlide2.xml><?xml version="1.0" encoding="utf-8"?>
+<p:notes xmlns:a="http://schemas.openxmlformats.org/drawingml/2006/main" xmlns:r="http://schemas.openxmlformats.org/officeDocument/2006/relationships" xmlns:p="http://schemas.openxmlformats.org/presentationml/2006/main">
+  <p:cSld>
+    <p:spTree>
+      <p:nvGrpSpPr>
+        <p:cNvPr id="1" name=""/>
+        <p:cNvGrpSpPr/>
+        <p:nvPr/>
+      </p:nvGrpSpPr>
+      <p:grpSpPr>
+        <a:xfrm>
+          <a:off x="0" y="0"/>
+          <a:ext cx="0" cy="0"/>
+          <a:chOff x="0" y="0"/>
+          <a:chExt cx="0" cy="0"/>
+        </a:xfrm>
+      </p:grpSpPr>
+      <p:sp>
+        <p:nvSpPr>
+          <p:cNvPr id="2" name="Slide Image Placeholder 1"/>
+          <p:cNvSpPr>
+            <a:spLocks noGrp="1" noRot="1" noChangeAspect="1"/>
+          </p:cNvSpPr>
+          <p:nvPr>
+            <p:ph type="sldImg"/>
+          </p:nvPr>
+        </p:nvSpPr>
+        <p:spPr/>
+      </p:sp>
+      <p:sp>
+        <p:nvSpPr>
+          <p:cNvPr id="3" name="Notes Placeholder 2"/>
+          <p:cNvSpPr>
+            <a:spLocks noGrp="1"/>
+          </p:cNvSpPr>
+          <p:nvPr>
+            <p:ph type="body" idx="1"/>
+          </p:nvPr>
+        </p:nvSpPr>
+        <p:spPr/>
+        <p:txBody>
+          <a:bodyPr/>
+          <a:lstStyle/>
+          <a:p>
+            <a:r>
+              <a:rPr lang="en-CA" b="1" dirty="0"/>
+              <a:t>PAT: </a:t>
+            </a:r>
+            <a:r>
+              <a:rPr lang="en-CA" b="0" dirty="0"/>
+              <a:t>In just a moment we will break down the Project Overview, Demo our website’s functionality, present and explain some code segments, list some challenges we faces and how we solved them, the skills we picked up on the way, and some things we would do differently in the future.</a:t>
+            </a:r>
+            <a:endParaRPr lang="en-CA" b="1" dirty="0"/>
+          </a:p>
+        </p:txBody>
+      </p:sp>
+      <p:sp>
+        <p:nvSpPr>
+          <p:cNvPr id="4" name="Slide Number Placeholder 3"/>
+          <p:cNvSpPr>
+            <a:spLocks noGrp="1"/>
+          </p:cNvSpPr>
+          <p:nvPr>
+            <p:ph type="sldNum" sz="quarter" idx="10"/>
+          </p:nvPr>
+        </p:nvSpPr>
+        <p:spPr/>
+        <p:txBody>
+          <a:bodyPr/>
+          <a:lstStyle/>
+          <a:p>
+            <a:fld id="{B969AB9A-5B0E-498F-B3EF-77369BC367E8}" type="slidenum">
+              <a:rPr lang="en-CA" smtClean="0"/>
+              <a:t>2</a:t>
+            </a:fld>
+            <a:endParaRPr lang="en-CA"/>
+          </a:p>
+        </p:txBody>
+      </p:sp>
+    </p:spTree>
+    <p:extLst>
+      <p:ext uri="{BB962C8B-B14F-4D97-AF65-F5344CB8AC3E}">
+        <p14:creationId xmlns:p14="http://schemas.microsoft.com/office/powerpoint/2010/main" val="3884147885"/>
+      </p:ext>
+    </p:extLst>
+  </p:cSld>
+  <p:clrMapOvr>
+    <a:masterClrMapping/>
+  </p:clrMapOvr>
+</p:notes>
+</file>
+
+<file path=ppt/notesSlides/notesSlide20.xml><?xml version="1.0" encoding="utf-8"?>
+<p:notes xmlns:a="http://schemas.openxmlformats.org/drawingml/2006/main" xmlns:r="http://schemas.openxmlformats.org/officeDocument/2006/relationships" xmlns:p="http://schemas.openxmlformats.org/presentationml/2006/main">
+  <p:cSld>
+    <p:spTree>
+      <p:nvGrpSpPr>
+        <p:cNvPr id="1" name=""/>
+        <p:cNvGrpSpPr/>
+        <p:nvPr/>
+      </p:nvGrpSpPr>
+      <p:grpSpPr>
+        <a:xfrm>
+          <a:off x="0" y="0"/>
+          <a:ext cx="0" cy="0"/>
+          <a:chOff x="0" y="0"/>
+          <a:chExt cx="0" cy="0"/>
+        </a:xfrm>
+      </p:grpSpPr>
+      <p:sp>
+        <p:nvSpPr>
+          <p:cNvPr id="2" name="Slide Image Placeholder 1"/>
+          <p:cNvSpPr>
+            <a:spLocks noGrp="1" noRot="1" noChangeAspect="1"/>
+          </p:cNvSpPr>
+          <p:nvPr>
+            <p:ph type="sldImg"/>
+          </p:nvPr>
+        </p:nvSpPr>
+        <p:spPr/>
+      </p:sp>
+      <p:sp>
+        <p:nvSpPr>
+          <p:cNvPr id="3" name="Notes Placeholder 2"/>
+          <p:cNvSpPr>
+            <a:spLocks noGrp="1"/>
+          </p:cNvSpPr>
+          <p:nvPr>
+            <p:ph type="body" idx="1"/>
+          </p:nvPr>
+        </p:nvSpPr>
+        <p:spPr/>
+        <p:txBody>
+          <a:bodyPr/>
+          <a:lstStyle/>
+          <a:p>
+            <a:r>
+              <a:rPr lang="en-CA" b="1" dirty="0"/>
+              <a:t>PAT: </a:t>
+            </a:r>
+            <a:r>
+              <a:rPr lang="en-CA" b="0" dirty="0"/>
+              <a:t>To recall, BiFrost Games, is a fully functional video game retail website with a working products list, cart, payment system, and owner account privileges. With a clean and consistent feel and theme, this website has over 2,500 lines of code, some of which we presented earlier. There has been a few issues and challenges along the way, but I know we’ve also grown as developers because of it.</a:t>
+            </a:r>
+            <a:endParaRPr lang="en-CA" b="1" dirty="0"/>
+          </a:p>
+        </p:txBody>
+      </p:sp>
+      <p:sp>
+        <p:nvSpPr>
+          <p:cNvPr id="4" name="Slide Number Placeholder 3"/>
+          <p:cNvSpPr>
+            <a:spLocks noGrp="1"/>
+          </p:cNvSpPr>
+          <p:nvPr>
+            <p:ph type="sldNum" sz="quarter" idx="10"/>
+          </p:nvPr>
+        </p:nvSpPr>
+        <p:spPr/>
+        <p:txBody>
+          <a:bodyPr/>
+          <a:lstStyle/>
+          <a:p>
+            <a:fld id="{B969AB9A-5B0E-498F-B3EF-77369BC367E8}" type="slidenum">
+              <a:rPr lang="en-CA" smtClean="0"/>
+              <a:t>20</a:t>
+            </a:fld>
+            <a:endParaRPr lang="en-CA"/>
+          </a:p>
+        </p:txBody>
+      </p:sp>
+    </p:spTree>
+    <p:extLst>
+      <p:ext uri="{BB962C8B-B14F-4D97-AF65-F5344CB8AC3E}">
+        <p14:creationId xmlns:p14="http://schemas.microsoft.com/office/powerpoint/2010/main" val="1042829623"/>
+      </p:ext>
+    </p:extLst>
+  </p:cSld>
+  <p:clrMapOvr>
+    <a:masterClrMapping/>
+  </p:clrMapOvr>
+</p:notes>
+</file>
+
+<file path=ppt/notesSlides/notesSlide21.xml><?xml version="1.0" encoding="utf-8"?>
+<p:notes xmlns:a="http://schemas.openxmlformats.org/drawingml/2006/main" xmlns:r="http://schemas.openxmlformats.org/officeDocument/2006/relationships" xmlns:p="http://schemas.openxmlformats.org/presentationml/2006/main">
+  <p:cSld>
+    <p:spTree>
+      <p:nvGrpSpPr>
+        <p:cNvPr id="1" name=""/>
+        <p:cNvGrpSpPr/>
+        <p:nvPr/>
+      </p:nvGrpSpPr>
+      <p:grpSpPr>
+        <a:xfrm>
+          <a:off x="0" y="0"/>
+          <a:ext cx="0" cy="0"/>
+          <a:chOff x="0" y="0"/>
+          <a:chExt cx="0" cy="0"/>
+        </a:xfrm>
+      </p:grpSpPr>
+      <p:sp>
+        <p:nvSpPr>
+          <p:cNvPr id="2" name="Slide Image Placeholder 1"/>
+          <p:cNvSpPr>
+            <a:spLocks noGrp="1" noRot="1" noChangeAspect="1"/>
+          </p:cNvSpPr>
+          <p:nvPr>
+            <p:ph type="sldImg"/>
+          </p:nvPr>
+        </p:nvSpPr>
+        <p:spPr/>
+      </p:sp>
+      <p:sp>
+        <p:nvSpPr>
+          <p:cNvPr id="3" name="Notes Placeholder 2"/>
+          <p:cNvSpPr>
+            <a:spLocks noGrp="1"/>
+          </p:cNvSpPr>
+          <p:nvPr>
+            <p:ph type="body" idx="1"/>
+          </p:nvPr>
+        </p:nvSpPr>
+        <p:spPr/>
+        <p:txBody>
+          <a:bodyPr/>
+          <a:lstStyle/>
+          <a:p>
+            <a:r>
+              <a:rPr lang="en-CA" b="1" dirty="0"/>
+              <a:t>PAT: </a:t>
+            </a:r>
+            <a:r>
+              <a:rPr lang="en-CA" b="0" dirty="0"/>
+              <a:t>Are there any questions?</a:t>
+            </a:r>
+            <a:endParaRPr lang="en-CA" b="1" dirty="0"/>
+          </a:p>
+        </p:txBody>
+      </p:sp>
+      <p:sp>
+        <p:nvSpPr>
+          <p:cNvPr id="4" name="Slide Number Placeholder 3"/>
+          <p:cNvSpPr>
+            <a:spLocks noGrp="1"/>
+          </p:cNvSpPr>
+          <p:nvPr>
+            <p:ph type="sldNum" sz="quarter" idx="10"/>
+          </p:nvPr>
+        </p:nvSpPr>
+        <p:spPr/>
+        <p:txBody>
+          <a:bodyPr/>
+          <a:lstStyle/>
+          <a:p>
+            <a:fld id="{B969AB9A-5B0E-498F-B3EF-77369BC367E8}" type="slidenum">
+              <a:rPr lang="en-CA" smtClean="0"/>
+              <a:t>21</a:t>
+            </a:fld>
+            <a:endParaRPr lang="en-CA"/>
+          </a:p>
+        </p:txBody>
+      </p:sp>
+    </p:spTree>
+    <p:extLst>
+      <p:ext uri="{BB962C8B-B14F-4D97-AF65-F5344CB8AC3E}">
+        <p14:creationId xmlns:p14="http://schemas.microsoft.com/office/powerpoint/2010/main" val="2228960166"/>
+      </p:ext>
+    </p:extLst>
+  </p:cSld>
+  <p:clrMapOvr>
+    <a:masterClrMapping/>
+  </p:clrMapOvr>
+</p:notes>
+</file>
+
+<file path=ppt/notesSlides/notesSlide3.xml><?xml version="1.0" encoding="utf-8"?>
+<p:notes xmlns:a="http://schemas.openxmlformats.org/drawingml/2006/main" xmlns:r="http://schemas.openxmlformats.org/officeDocument/2006/relationships" xmlns:p="http://schemas.openxmlformats.org/presentationml/2006/main">
+  <p:cSld>
+    <p:spTree>
+      <p:nvGrpSpPr>
+        <p:cNvPr id="1" name=""/>
+        <p:cNvGrpSpPr/>
+        <p:nvPr/>
+      </p:nvGrpSpPr>
+      <p:grpSpPr>
+        <a:xfrm>
+          <a:off x="0" y="0"/>
+          <a:ext cx="0" cy="0"/>
+          <a:chOff x="0" y="0"/>
+          <a:chExt cx="0" cy="0"/>
+        </a:xfrm>
+      </p:grpSpPr>
+      <p:sp>
+        <p:nvSpPr>
+          <p:cNvPr id="2" name="Slide Image Placeholder 1"/>
+          <p:cNvSpPr>
+            <a:spLocks noGrp="1" noRot="1" noChangeAspect="1"/>
+          </p:cNvSpPr>
+          <p:nvPr>
+            <p:ph type="sldImg"/>
+          </p:nvPr>
+        </p:nvSpPr>
+        <p:spPr/>
+      </p:sp>
+      <p:sp>
+        <p:nvSpPr>
+          <p:cNvPr id="3" name="Notes Placeholder 2"/>
+          <p:cNvSpPr>
+            <a:spLocks noGrp="1"/>
+          </p:cNvSpPr>
+          <p:nvPr>
+            <p:ph type="body" idx="1"/>
+          </p:nvPr>
+        </p:nvSpPr>
+        <p:spPr/>
+        <p:txBody>
+          <a:bodyPr/>
+          <a:lstStyle/>
+          <a:p>
+            <a:r>
+              <a:rPr lang="en-CA" b="1" dirty="0"/>
+              <a:t>PAT: </a:t>
+            </a:r>
+            <a:r>
+              <a:rPr lang="en-CA" b="0" i="1" dirty="0"/>
+              <a:t>-read what’s on screen dummy-</a:t>
+            </a:r>
+            <a:endParaRPr lang="en-CA" b="1" dirty="0"/>
+          </a:p>
+        </p:txBody>
+      </p:sp>
+      <p:sp>
+        <p:nvSpPr>
+          <p:cNvPr id="4" name="Slide Number Placeholder 3"/>
+          <p:cNvSpPr>
+            <a:spLocks noGrp="1"/>
+          </p:cNvSpPr>
+          <p:nvPr>
+            <p:ph type="sldNum" sz="quarter" idx="10"/>
+          </p:nvPr>
+        </p:nvSpPr>
+        <p:spPr/>
+        <p:txBody>
+          <a:bodyPr/>
+          <a:lstStyle/>
+          <a:p>
+            <a:fld id="{B969AB9A-5B0E-498F-B3EF-77369BC367E8}" type="slidenum">
+              <a:rPr lang="en-CA" smtClean="0"/>
+              <a:t>3</a:t>
+            </a:fld>
+            <a:endParaRPr lang="en-CA"/>
+          </a:p>
+        </p:txBody>
+      </p:sp>
+    </p:spTree>
+    <p:extLst>
+      <p:ext uri="{BB962C8B-B14F-4D97-AF65-F5344CB8AC3E}">
+        <p14:creationId xmlns:p14="http://schemas.microsoft.com/office/powerpoint/2010/main" val="2561821997"/>
+      </p:ext>
+    </p:extLst>
+  </p:cSld>
+  <p:clrMapOvr>
+    <a:masterClrMapping/>
+  </p:clrMapOvr>
+</p:notes>
+</file>
+
+<file path=ppt/notesSlides/notesSlide4.xml><?xml version="1.0" encoding="utf-8"?>
+<p:notes xmlns:a="http://schemas.openxmlformats.org/drawingml/2006/main" xmlns:r="http://schemas.openxmlformats.org/officeDocument/2006/relationships" xmlns:p="http://schemas.openxmlformats.org/presentationml/2006/main">
+  <p:cSld>
+    <p:spTree>
+      <p:nvGrpSpPr>
+        <p:cNvPr id="1" name=""/>
+        <p:cNvGrpSpPr/>
+        <p:nvPr/>
+      </p:nvGrpSpPr>
+      <p:grpSpPr>
+        <a:xfrm>
+          <a:off x="0" y="0"/>
+          <a:ext cx="0" cy="0"/>
+          <a:chOff x="0" y="0"/>
+          <a:chExt cx="0" cy="0"/>
+        </a:xfrm>
+      </p:grpSpPr>
+      <p:sp>
+        <p:nvSpPr>
+          <p:cNvPr id="2" name="Slide Image Placeholder 1"/>
+          <p:cNvSpPr>
+            <a:spLocks noGrp="1" noRot="1" noChangeAspect="1"/>
+          </p:cNvSpPr>
+          <p:nvPr>
+            <p:ph type="sldImg"/>
+          </p:nvPr>
+        </p:nvSpPr>
+        <p:spPr/>
+      </p:sp>
+      <p:sp>
+        <p:nvSpPr>
+          <p:cNvPr id="3" name="Notes Placeholder 2"/>
+          <p:cNvSpPr>
+            <a:spLocks noGrp="1"/>
+          </p:cNvSpPr>
+          <p:nvPr>
+            <p:ph type="body" idx="1"/>
+          </p:nvPr>
+        </p:nvSpPr>
+        <p:spPr/>
+        <p:txBody>
+          <a:bodyPr/>
+          <a:lstStyle/>
+          <a:p>
+            <a:r>
+              <a:rPr lang="en-CA" b="1" dirty="0"/>
+              <a:t>EVAN:</a:t>
+            </a:r>
+          </a:p>
+        </p:txBody>
+      </p:sp>
+      <p:sp>
+        <p:nvSpPr>
+          <p:cNvPr id="4" name="Slide Number Placeholder 3"/>
+          <p:cNvSpPr>
+            <a:spLocks noGrp="1"/>
+          </p:cNvSpPr>
+          <p:nvPr>
+            <p:ph type="sldNum" sz="quarter" idx="10"/>
+          </p:nvPr>
+        </p:nvSpPr>
+        <p:spPr/>
+        <p:txBody>
+          <a:bodyPr/>
+          <a:lstStyle/>
+          <a:p>
+            <a:fld id="{B969AB9A-5B0E-498F-B3EF-77369BC367E8}" type="slidenum">
+              <a:rPr lang="en-CA" smtClean="0"/>
+              <a:t>4</a:t>
+            </a:fld>
+            <a:endParaRPr lang="en-CA"/>
+          </a:p>
+        </p:txBody>
+      </p:sp>
+    </p:spTree>
+    <p:extLst>
+      <p:ext uri="{BB962C8B-B14F-4D97-AF65-F5344CB8AC3E}">
+        <p14:creationId xmlns:p14="http://schemas.microsoft.com/office/powerpoint/2010/main" val="976737923"/>
+      </p:ext>
+    </p:extLst>
+  </p:cSld>
+  <p:clrMapOvr>
+    <a:masterClrMapping/>
+  </p:clrMapOvr>
+</p:notes>
+</file>
+
+<file path=ppt/notesSlides/notesSlide5.xml><?xml version="1.0" encoding="utf-8"?>
+<p:notes xmlns:a="http://schemas.openxmlformats.org/drawingml/2006/main" xmlns:r="http://schemas.openxmlformats.org/officeDocument/2006/relationships" xmlns:p="http://schemas.openxmlformats.org/presentationml/2006/main">
+  <p:cSld>
+    <p:spTree>
+      <p:nvGrpSpPr>
+        <p:cNvPr id="1" name=""/>
+        <p:cNvGrpSpPr/>
+        <p:nvPr/>
+      </p:nvGrpSpPr>
+      <p:grpSpPr>
+        <a:xfrm>
+          <a:off x="0" y="0"/>
+          <a:ext cx="0" cy="0"/>
+          <a:chOff x="0" y="0"/>
+          <a:chExt cx="0" cy="0"/>
+        </a:xfrm>
+      </p:grpSpPr>
+      <p:sp>
+        <p:nvSpPr>
+          <p:cNvPr id="2" name="Slide Image Placeholder 1"/>
+          <p:cNvSpPr>
+            <a:spLocks noGrp="1" noRot="1" noChangeAspect="1"/>
+          </p:cNvSpPr>
+          <p:nvPr>
+            <p:ph type="sldImg"/>
+          </p:nvPr>
+        </p:nvSpPr>
+        <p:spPr/>
+      </p:sp>
+      <p:sp>
+        <p:nvSpPr>
+          <p:cNvPr id="3" name="Notes Placeholder 2"/>
+          <p:cNvSpPr>
+            <a:spLocks noGrp="1"/>
+          </p:cNvSpPr>
+          <p:nvPr>
+            <p:ph type="body" idx="1"/>
+          </p:nvPr>
+        </p:nvSpPr>
+        <p:spPr/>
+        <p:txBody>
+          <a:bodyPr/>
+          <a:lstStyle/>
+          <a:p>
+            <a:r>
+              <a:rPr lang="en-CA" b="1" dirty="0"/>
+              <a:t>CURTIS</a:t>
+            </a:r>
+            <a:r>
+              <a:rPr lang="en-CA" dirty="0"/>
+              <a:t>: This php generates a YouTube player if a video id is inserted into the DB.  The video id is retrieved from the database and is inserted into the iframe.</a:t>
+            </a:r>
+          </a:p>
+        </p:txBody>
+      </p:sp>
+      <p:sp>
+        <p:nvSpPr>
+          <p:cNvPr id="4" name="Slide Number Placeholder 3"/>
+          <p:cNvSpPr>
+            <a:spLocks noGrp="1"/>
+          </p:cNvSpPr>
+          <p:nvPr>
+            <p:ph type="sldNum" sz="quarter" idx="10"/>
+          </p:nvPr>
+        </p:nvSpPr>
+        <p:spPr/>
+        <p:txBody>
+          <a:bodyPr/>
+          <a:lstStyle/>
+          <a:p>
+            <a:fld id="{B969AB9A-5B0E-498F-B3EF-77369BC367E8}" type="slidenum">
+              <a:rPr lang="en-CA" smtClean="0"/>
+              <a:t>5</a:t>
+            </a:fld>
+            <a:endParaRPr lang="en-CA"/>
+          </a:p>
+        </p:txBody>
+      </p:sp>
+    </p:spTree>
+    <p:extLst>
+      <p:ext uri="{BB962C8B-B14F-4D97-AF65-F5344CB8AC3E}">
+        <p14:creationId xmlns:p14="http://schemas.microsoft.com/office/powerpoint/2010/main" val="3809844750"/>
+      </p:ext>
+    </p:extLst>
+  </p:cSld>
+  <p:clrMapOvr>
+    <a:masterClrMapping/>
+  </p:clrMapOvr>
+</p:notes>
+</file>
+
+<file path=ppt/notesSlides/notesSlide6.xml><?xml version="1.0" encoding="utf-8"?>
+<p:notes xmlns:a="http://schemas.openxmlformats.org/drawingml/2006/main" xmlns:r="http://schemas.openxmlformats.org/officeDocument/2006/relationships" xmlns:p="http://schemas.openxmlformats.org/presentationml/2006/main">
+  <p:cSld>
+    <p:spTree>
+      <p:nvGrpSpPr>
+        <p:cNvPr id="1" name=""/>
+        <p:cNvGrpSpPr/>
+        <p:nvPr/>
+      </p:nvGrpSpPr>
+      <p:grpSpPr>
+        <a:xfrm>
+          <a:off x="0" y="0"/>
+          <a:ext cx="0" cy="0"/>
+          <a:chOff x="0" y="0"/>
+          <a:chExt cx="0" cy="0"/>
+        </a:xfrm>
+      </p:grpSpPr>
+      <p:sp>
+        <p:nvSpPr>
+          <p:cNvPr id="2" name="Slide Image Placeholder 1"/>
+          <p:cNvSpPr>
+            <a:spLocks noGrp="1" noRot="1" noChangeAspect="1"/>
+          </p:cNvSpPr>
+          <p:nvPr>
+            <p:ph type="sldImg"/>
+          </p:nvPr>
+        </p:nvSpPr>
+        <p:spPr/>
+      </p:sp>
+      <p:sp>
+        <p:nvSpPr>
+          <p:cNvPr id="3" name="Notes Placeholder 2"/>
+          <p:cNvSpPr>
+            <a:spLocks noGrp="1"/>
+          </p:cNvSpPr>
+          <p:nvPr>
+            <p:ph type="body" idx="1"/>
+          </p:nvPr>
+        </p:nvSpPr>
+        <p:spPr/>
+        <p:txBody>
+          <a:bodyPr/>
+          <a:lstStyle/>
+          <a:p>
+            <a:pPr marL="0" marR="0" lvl="0" indent="0" algn="l" defTabSz="914400" rtl="0" eaLnBrk="1" fontAlgn="auto" latinLnBrk="0" hangingPunct="1">
+              <a:lnSpc>
+                <a:spcPct val="100000"/>
+              </a:lnSpc>
+              <a:spcBef>
+                <a:spcPts val="0"/>
+              </a:spcBef>
+              <a:spcAft>
+                <a:spcPts val="0"/>
+              </a:spcAft>
+              <a:buClrTx/>
+              <a:buSzTx/>
+              <a:buFontTx/>
+              <a:buNone/>
+              <a:tabLst/>
+              <a:defRPr/>
+            </a:pPr>
+            <a:r>
+              <a:rPr lang="en-CA" b="1" dirty="0"/>
+              <a:t>CURTIS</a:t>
+            </a:r>
+            <a:r>
+              <a:rPr lang="en-CA" dirty="0"/>
+              <a:t>: </a:t>
+            </a:r>
+            <a:r>
+              <a:rPr lang="en-CA" sz="1200" kern="1200" dirty="0">
+                <a:solidFill>
+                  <a:schemeClr val="tx1"/>
+                </a:solidFill>
+                <a:effectLst/>
+                <a:latin typeface="+mn-lt"/>
+                <a:ea typeface="+mn-ea"/>
+                <a:cs typeface="+mn-cs"/>
+              </a:rPr>
+              <a:t>Using dynamic naming with php variables for fields that need to be change made it easy to keep track of and pass variables.  Input buttons for quantity call to a JavaScript function as seen below.  It passes the game Id and price to the function.</a:t>
+            </a:r>
+          </a:p>
+          <a:p>
+            <a:endParaRPr lang="en-CA" dirty="0"/>
+          </a:p>
+        </p:txBody>
+      </p:sp>
+      <p:sp>
+        <p:nvSpPr>
+          <p:cNvPr id="4" name="Slide Number Placeholder 3"/>
+          <p:cNvSpPr>
+            <a:spLocks noGrp="1"/>
+          </p:cNvSpPr>
+          <p:nvPr>
+            <p:ph type="sldNum" sz="quarter" idx="10"/>
+          </p:nvPr>
+        </p:nvSpPr>
+        <p:spPr/>
+        <p:txBody>
+          <a:bodyPr/>
+          <a:lstStyle/>
+          <a:p>
+            <a:fld id="{B969AB9A-5B0E-498F-B3EF-77369BC367E8}" type="slidenum">
+              <a:rPr lang="en-CA" smtClean="0"/>
+              <a:t>6</a:t>
+            </a:fld>
+            <a:endParaRPr lang="en-CA"/>
+          </a:p>
+        </p:txBody>
+      </p:sp>
+    </p:spTree>
+    <p:extLst>
+      <p:ext uri="{BB962C8B-B14F-4D97-AF65-F5344CB8AC3E}">
+        <p14:creationId xmlns:p14="http://schemas.microsoft.com/office/powerpoint/2010/main" val="2860341712"/>
+      </p:ext>
+    </p:extLst>
+  </p:cSld>
+  <p:clrMapOvr>
+    <a:masterClrMapping/>
+  </p:clrMapOvr>
+</p:notes>
+</file>
+
+<file path=ppt/notesSlides/notesSlide7.xml><?xml version="1.0" encoding="utf-8"?>
+<p:notes xmlns:a="http://schemas.openxmlformats.org/drawingml/2006/main" xmlns:r="http://schemas.openxmlformats.org/officeDocument/2006/relationships" xmlns:p="http://schemas.openxmlformats.org/presentationml/2006/main">
+  <p:cSld>
+    <p:spTree>
+      <p:nvGrpSpPr>
+        <p:cNvPr id="1" name=""/>
+        <p:cNvGrpSpPr/>
+        <p:nvPr/>
+      </p:nvGrpSpPr>
+      <p:grpSpPr>
+        <a:xfrm>
+          <a:off x="0" y="0"/>
+          <a:ext cx="0" cy="0"/>
+          <a:chOff x="0" y="0"/>
+          <a:chExt cx="0" cy="0"/>
+        </a:xfrm>
+      </p:grpSpPr>
+      <p:sp>
+        <p:nvSpPr>
+          <p:cNvPr id="2" name="Slide Image Placeholder 1"/>
+          <p:cNvSpPr>
+            <a:spLocks noGrp="1" noRot="1" noChangeAspect="1"/>
+          </p:cNvSpPr>
+          <p:nvPr>
+            <p:ph type="sldImg"/>
+          </p:nvPr>
+        </p:nvSpPr>
+        <p:spPr/>
+      </p:sp>
+      <p:sp>
+        <p:nvSpPr>
+          <p:cNvPr id="3" name="Notes Placeholder 2"/>
+          <p:cNvSpPr>
+            <a:spLocks noGrp="1"/>
+          </p:cNvSpPr>
+          <p:nvPr>
+            <p:ph type="body" idx="1"/>
+          </p:nvPr>
+        </p:nvSpPr>
+        <p:spPr/>
+        <p:txBody>
+          <a:bodyPr/>
+          <a:lstStyle/>
+          <a:p>
+            <a:pPr marL="0" marR="0" lvl="0" indent="0" algn="l" defTabSz="914400" rtl="0" eaLnBrk="1" fontAlgn="auto" latinLnBrk="0" hangingPunct="1">
+              <a:lnSpc>
+                <a:spcPct val="100000"/>
+              </a:lnSpc>
+              <a:spcBef>
+                <a:spcPts val="0"/>
+              </a:spcBef>
+              <a:spcAft>
+                <a:spcPts val="0"/>
+              </a:spcAft>
+              <a:buClrTx/>
+              <a:buSzTx/>
+              <a:buFontTx/>
+              <a:buNone/>
+              <a:tabLst/>
+              <a:defRPr/>
+            </a:pPr>
+            <a:r>
+              <a:rPr lang="en-CA" b="1" dirty="0"/>
+              <a:t>CURTIS</a:t>
+            </a:r>
+            <a:r>
+              <a:rPr lang="en-CA" dirty="0"/>
+              <a:t>: This function uses the game ID and DOM elements to retrieve the current quantity, then it increments the quantity. The price for that item is updated and then a </a:t>
+            </a:r>
+            <a:r>
+              <a:rPr lang="en-CA" dirty="0" err="1"/>
+              <a:t>calcTotal</a:t>
+            </a:r>
+            <a:r>
+              <a:rPr lang="en-CA" dirty="0"/>
+              <a:t>() function is called to loop through and add item prices to update the total price. Finally, an ajax function is called that runs a server sided script to update the database.</a:t>
+            </a:r>
+            <a:endParaRPr lang="en-CA" sz="1200" kern="1200" dirty="0">
+              <a:solidFill>
+                <a:schemeClr val="tx1"/>
+              </a:solidFill>
+              <a:effectLst/>
+              <a:latin typeface="+mn-lt"/>
+              <a:ea typeface="+mn-ea"/>
+              <a:cs typeface="+mn-cs"/>
+            </a:endParaRPr>
+          </a:p>
+        </p:txBody>
+      </p:sp>
+      <p:sp>
+        <p:nvSpPr>
+          <p:cNvPr id="4" name="Slide Number Placeholder 3"/>
+          <p:cNvSpPr>
+            <a:spLocks noGrp="1"/>
+          </p:cNvSpPr>
+          <p:nvPr>
+            <p:ph type="sldNum" sz="quarter" idx="10"/>
+          </p:nvPr>
+        </p:nvSpPr>
+        <p:spPr/>
+        <p:txBody>
+          <a:bodyPr/>
+          <a:lstStyle/>
+          <a:p>
+            <a:fld id="{B969AB9A-5B0E-498F-B3EF-77369BC367E8}" type="slidenum">
+              <a:rPr lang="en-CA" smtClean="0"/>
+              <a:t>7</a:t>
+            </a:fld>
+            <a:endParaRPr lang="en-CA"/>
+          </a:p>
+        </p:txBody>
+      </p:sp>
+    </p:spTree>
+    <p:extLst>
+      <p:ext uri="{BB962C8B-B14F-4D97-AF65-F5344CB8AC3E}">
+        <p14:creationId xmlns:p14="http://schemas.microsoft.com/office/powerpoint/2010/main" val="2733851361"/>
+      </p:ext>
+    </p:extLst>
+  </p:cSld>
+  <p:clrMapOvr>
+    <a:masterClrMapping/>
+  </p:clrMapOvr>
+</p:notes>
+</file>
+
+<file path=ppt/notesSlides/notesSlide8.xml><?xml version="1.0" encoding="utf-8"?>
+<p:notes xmlns:a="http://schemas.openxmlformats.org/drawingml/2006/main" xmlns:r="http://schemas.openxmlformats.org/officeDocument/2006/relationships" xmlns:p="http://schemas.openxmlformats.org/presentationml/2006/main">
+  <p:cSld>
+    <p:spTree>
+      <p:nvGrpSpPr>
+        <p:cNvPr id="1" name=""/>
+        <p:cNvGrpSpPr/>
+        <p:nvPr/>
+      </p:nvGrpSpPr>
+      <p:grpSpPr>
+        <a:xfrm>
+          <a:off x="0" y="0"/>
+          <a:ext cx="0" cy="0"/>
+          <a:chOff x="0" y="0"/>
+          <a:chExt cx="0" cy="0"/>
+        </a:xfrm>
+      </p:grpSpPr>
+      <p:sp>
+        <p:nvSpPr>
+          <p:cNvPr id="2" name="Slide Image Placeholder 1"/>
+          <p:cNvSpPr>
+            <a:spLocks noGrp="1" noRot="1" noChangeAspect="1"/>
+          </p:cNvSpPr>
+          <p:nvPr>
+            <p:ph type="sldImg"/>
+          </p:nvPr>
+        </p:nvSpPr>
+        <p:spPr/>
+      </p:sp>
+      <p:sp>
+        <p:nvSpPr>
+          <p:cNvPr id="3" name="Notes Placeholder 2"/>
+          <p:cNvSpPr>
+            <a:spLocks noGrp="1"/>
+          </p:cNvSpPr>
+          <p:nvPr>
+            <p:ph type="body" idx="1"/>
+          </p:nvPr>
+        </p:nvSpPr>
+        <p:spPr/>
+        <p:txBody>
+          <a:bodyPr/>
+          <a:lstStyle/>
+          <a:p>
+            <a:r>
+              <a:rPr lang="en-CA" b="1" dirty="0"/>
+              <a:t>CURTIS:</a:t>
+            </a:r>
+            <a:r>
+              <a:rPr lang="en-CA" dirty="0"/>
+              <a:t> This function loops through the carts price elements and adds them up to get the total to be updated on the page and passed to a hidden input for POST to cart.</a:t>
+            </a:r>
+          </a:p>
+        </p:txBody>
+      </p:sp>
+      <p:sp>
+        <p:nvSpPr>
+          <p:cNvPr id="4" name="Slide Number Placeholder 3"/>
+          <p:cNvSpPr>
+            <a:spLocks noGrp="1"/>
+          </p:cNvSpPr>
+          <p:nvPr>
+            <p:ph type="sldNum" sz="quarter" idx="10"/>
+          </p:nvPr>
+        </p:nvSpPr>
+        <p:spPr/>
+        <p:txBody>
+          <a:bodyPr/>
+          <a:lstStyle/>
+          <a:p>
+            <a:fld id="{B969AB9A-5B0E-498F-B3EF-77369BC367E8}" type="slidenum">
+              <a:rPr lang="en-CA" smtClean="0"/>
+              <a:t>8</a:t>
+            </a:fld>
+            <a:endParaRPr lang="en-CA"/>
+          </a:p>
+        </p:txBody>
+      </p:sp>
+    </p:spTree>
+    <p:extLst>
+      <p:ext uri="{BB962C8B-B14F-4D97-AF65-F5344CB8AC3E}">
+        <p14:creationId xmlns:p14="http://schemas.microsoft.com/office/powerpoint/2010/main" val="925160192"/>
+      </p:ext>
+    </p:extLst>
+  </p:cSld>
+  <p:clrMapOvr>
+    <a:masterClrMapping/>
+  </p:clrMapOvr>
+</p:notes>
+</file>
+
+<file path=ppt/notesSlides/notesSlide9.xml><?xml version="1.0" encoding="utf-8"?>
+<p:notes xmlns:a="http://schemas.openxmlformats.org/drawingml/2006/main" xmlns:r="http://schemas.openxmlformats.org/officeDocument/2006/relationships" xmlns:p="http://schemas.openxmlformats.org/presentationml/2006/main">
+  <p:cSld>
+    <p:spTree>
+      <p:nvGrpSpPr>
+        <p:cNvPr id="1" name=""/>
+        <p:cNvGrpSpPr/>
+        <p:nvPr/>
+      </p:nvGrpSpPr>
+      <p:grpSpPr>
+        <a:xfrm>
+          <a:off x="0" y="0"/>
+          <a:ext cx="0" cy="0"/>
+          <a:chOff x="0" y="0"/>
+          <a:chExt cx="0" cy="0"/>
+        </a:xfrm>
+      </p:grpSpPr>
+      <p:sp>
+        <p:nvSpPr>
+          <p:cNvPr id="2" name="Slide Image Placeholder 1"/>
+          <p:cNvSpPr>
+            <a:spLocks noGrp="1" noRot="1" noChangeAspect="1"/>
+          </p:cNvSpPr>
+          <p:nvPr>
+            <p:ph type="sldImg"/>
+          </p:nvPr>
+        </p:nvSpPr>
+        <p:spPr/>
+      </p:sp>
+      <p:sp>
+        <p:nvSpPr>
+          <p:cNvPr id="3" name="Notes Placeholder 2"/>
+          <p:cNvSpPr>
+            <a:spLocks noGrp="1"/>
+          </p:cNvSpPr>
+          <p:nvPr>
+            <p:ph type="body" idx="1"/>
+          </p:nvPr>
+        </p:nvSpPr>
+        <p:spPr/>
+        <p:txBody>
+          <a:bodyPr/>
+          <a:lstStyle/>
+          <a:p>
+            <a:pPr marL="0" marR="0" lvl="0" indent="0" algn="l" defTabSz="914400" rtl="0" eaLnBrk="1" fontAlgn="auto" latinLnBrk="0" hangingPunct="1">
+              <a:lnSpc>
+                <a:spcPct val="100000"/>
+              </a:lnSpc>
+              <a:spcBef>
+                <a:spcPts val="0"/>
+              </a:spcBef>
+              <a:spcAft>
+                <a:spcPts val="0"/>
+              </a:spcAft>
+              <a:buClrTx/>
+              <a:buSzTx/>
+              <a:buFontTx/>
+              <a:buNone/>
+              <a:tabLst/>
+              <a:defRPr/>
+            </a:pPr>
+            <a:r>
+              <a:rPr lang="en-CA" b="1" dirty="0"/>
+              <a:t>CURTIS: </a:t>
+            </a:r>
+            <a:r>
+              <a:rPr lang="en-CA" sz="1200" kern="1200" dirty="0">
+                <a:solidFill>
+                  <a:schemeClr val="tx1"/>
+                </a:solidFill>
+                <a:effectLst/>
+                <a:latin typeface="+mn-lt"/>
+                <a:ea typeface="+mn-ea"/>
+                <a:cs typeface="+mn-cs"/>
+              </a:rPr>
+              <a:t>This is the server sided script that is called by the ajax function.  This is updating the quantity dynamically in the database without reloading the users page.</a:t>
+            </a:r>
+          </a:p>
+        </p:txBody>
+      </p:sp>
+      <p:sp>
+        <p:nvSpPr>
+          <p:cNvPr id="4" name="Slide Number Placeholder 3"/>
+          <p:cNvSpPr>
+            <a:spLocks noGrp="1"/>
+          </p:cNvSpPr>
+          <p:nvPr>
+            <p:ph type="sldNum" sz="quarter" idx="10"/>
+          </p:nvPr>
+        </p:nvSpPr>
+        <p:spPr/>
+        <p:txBody>
+          <a:bodyPr/>
+          <a:lstStyle/>
+          <a:p>
+            <a:fld id="{B969AB9A-5B0E-498F-B3EF-77369BC367E8}" type="slidenum">
+              <a:rPr lang="en-CA" smtClean="0"/>
+              <a:t>9</a:t>
+            </a:fld>
+            <a:endParaRPr lang="en-CA"/>
+          </a:p>
+        </p:txBody>
+      </p:sp>
+    </p:spTree>
+    <p:extLst>
+      <p:ext uri="{BB962C8B-B14F-4D97-AF65-F5344CB8AC3E}">
+        <p14:creationId xmlns:p14="http://schemas.microsoft.com/office/powerpoint/2010/main" val="245208032"/>
+      </p:ext>
+    </p:extLst>
+  </p:cSld>
+  <p:clrMapOvr>
+    <a:masterClrMapping/>
+  </p:clrMapOvr>
+</p:notes>
 </file>
 
 <file path=ppt/slideLayouts/slideLayout1.xml><?xml version="1.0" encoding="utf-8"?>
@@ -4411,7 +6940,7 @@
           <a:p>
             <a:fld id="{48A87A34-81AB-432B-8DAE-1953F412C126}" type="datetimeFigureOut">
               <a:rPr lang="en-US" dirty="0"/>
-              <a:t>6/21/2018</a:t>
+              <a:t>6/24/2018</a:t>
             </a:fld>
             <a:endParaRPr lang="en-US" dirty="0"/>
           </a:p>
@@ -4673,7 +7202,7 @@
           <a:p>
             <a:fld id="{48A87A34-81AB-432B-8DAE-1953F412C126}" type="datetimeFigureOut">
               <a:rPr lang="en-US" dirty="0"/>
-              <a:t>6/21/2018</a:t>
+              <a:t>6/24/2018</a:t>
             </a:fld>
             <a:endParaRPr lang="en-US" dirty="0"/>
           </a:p>
@@ -4864,7 +7393,7 @@
           <a:p>
             <a:fld id="{48A87A34-81AB-432B-8DAE-1953F412C126}" type="datetimeFigureOut">
               <a:rPr lang="en-US" dirty="0"/>
-              <a:t>6/21/2018</a:t>
+              <a:t>6/24/2018</a:t>
             </a:fld>
             <a:endParaRPr lang="en-US" dirty="0"/>
           </a:p>
@@ -5122,7 +7651,7 @@
           <a:p>
             <a:fld id="{48A87A34-81AB-432B-8DAE-1953F412C126}" type="datetimeFigureOut">
               <a:rPr lang="en-US" dirty="0"/>
-              <a:t>6/21/2018</a:t>
+              <a:t>6/24/2018</a:t>
             </a:fld>
             <a:endParaRPr lang="en-US" dirty="0"/>
           </a:p>
@@ -5551,7 +8080,7 @@
           <a:p>
             <a:fld id="{48A87A34-81AB-432B-8DAE-1953F412C126}" type="datetimeFigureOut">
               <a:rPr lang="en-US" dirty="0"/>
-              <a:t>6/21/2018</a:t>
+              <a:t>6/24/2018</a:t>
             </a:fld>
             <a:endParaRPr lang="en-US" dirty="0"/>
           </a:p>
@@ -6092,7 +8621,7 @@
           <a:p>
             <a:fld id="{48A87A34-81AB-432B-8DAE-1953F412C126}" type="datetimeFigureOut">
               <a:rPr lang="en-US" dirty="0"/>
-              <a:t>6/21/2018</a:t>
+              <a:t>6/24/2018</a:t>
             </a:fld>
             <a:endParaRPr lang="en-US" dirty="0"/>
           </a:p>
@@ -6807,7 +9336,7 @@
           <a:p>
             <a:fld id="{48A87A34-81AB-432B-8DAE-1953F412C126}" type="datetimeFigureOut">
               <a:rPr lang="en-US" dirty="0"/>
-              <a:t>6/21/2018</a:t>
+              <a:t>6/24/2018</a:t>
             </a:fld>
             <a:endParaRPr lang="en-US" dirty="0"/>
           </a:p>
@@ -6972,7 +9501,7 @@
           <a:p>
             <a:fld id="{48A87A34-81AB-432B-8DAE-1953F412C126}" type="datetimeFigureOut">
               <a:rPr lang="en-US" dirty="0"/>
-              <a:t>6/21/2018</a:t>
+              <a:t>6/24/2018</a:t>
             </a:fld>
             <a:endParaRPr lang="en-US" dirty="0"/>
           </a:p>
@@ -7147,7 +9676,7 @@
           <a:p>
             <a:fld id="{48A87A34-81AB-432B-8DAE-1953F412C126}" type="datetimeFigureOut">
               <a:rPr lang="en-US" dirty="0"/>
-              <a:t>6/21/2018</a:t>
+              <a:t>6/24/2018</a:t>
             </a:fld>
             <a:endParaRPr lang="en-US" dirty="0"/>
           </a:p>
@@ -7312,7 +9841,7 @@
           <a:p>
             <a:fld id="{48A87A34-81AB-432B-8DAE-1953F412C126}" type="datetimeFigureOut">
               <a:rPr lang="en-US" dirty="0"/>
-              <a:t>6/21/2018</a:t>
+              <a:t>6/24/2018</a:t>
             </a:fld>
             <a:endParaRPr lang="en-US" dirty="0"/>
           </a:p>
@@ -7557,7 +10086,7 @@
           <a:p>
             <a:fld id="{48A87A34-81AB-432B-8DAE-1953F412C126}" type="datetimeFigureOut">
               <a:rPr lang="en-US" dirty="0"/>
-              <a:t>6/21/2018</a:t>
+              <a:t>6/24/2018</a:t>
             </a:fld>
             <a:endParaRPr lang="en-US" dirty="0"/>
           </a:p>
@@ -7784,7 +10313,7 @@
           <a:p>
             <a:fld id="{48A87A34-81AB-432B-8DAE-1953F412C126}" type="datetimeFigureOut">
               <a:rPr lang="en-US" dirty="0"/>
-              <a:t>6/21/2018</a:t>
+              <a:t>6/24/2018</a:t>
             </a:fld>
             <a:endParaRPr lang="en-US" dirty="0"/>
           </a:p>
@@ -8160,7 +10689,7 @@
           <a:p>
             <a:fld id="{48A87A34-81AB-432B-8DAE-1953F412C126}" type="datetimeFigureOut">
               <a:rPr lang="en-US" dirty="0"/>
-              <a:t>6/21/2018</a:t>
+              <a:t>6/24/2018</a:t>
             </a:fld>
             <a:endParaRPr lang="en-US" dirty="0"/>
           </a:p>
@@ -8273,7 +10802,7 @@
           <a:p>
             <a:fld id="{48A87A34-81AB-432B-8DAE-1953F412C126}" type="datetimeFigureOut">
               <a:rPr lang="en-US" dirty="0"/>
-              <a:t>6/21/2018</a:t>
+              <a:t>6/24/2018</a:t>
             </a:fld>
             <a:endParaRPr lang="en-US" dirty="0"/>
           </a:p>
@@ -8363,7 +10892,7 @@
           <a:p>
             <a:fld id="{48A87A34-81AB-432B-8DAE-1953F412C126}" type="datetimeFigureOut">
               <a:rPr lang="en-US" dirty="0"/>
-              <a:t>6/21/2018</a:t>
+              <a:t>6/24/2018</a:t>
             </a:fld>
             <a:endParaRPr lang="en-US" dirty="0"/>
           </a:p>
@@ -8607,7 +11136,7 @@
           <a:p>
             <a:fld id="{48A87A34-81AB-432B-8DAE-1953F412C126}" type="datetimeFigureOut">
               <a:rPr lang="en-US" dirty="0"/>
-              <a:t>6/21/2018</a:t>
+              <a:t>6/24/2018</a:t>
             </a:fld>
             <a:endParaRPr lang="en-US" dirty="0"/>
           </a:p>
@@ -8882,7 +11411,7 @@
           <a:p>
             <a:fld id="{48A87A34-81AB-432B-8DAE-1953F412C126}" type="datetimeFigureOut">
               <a:rPr lang="en-US" dirty="0"/>
-              <a:t>6/21/2018</a:t>
+              <a:t>6/24/2018</a:t>
             </a:fld>
             <a:endParaRPr lang="en-US" dirty="0"/>
           </a:p>
@@ -11955,7 +14484,7 @@
             <a:fld id="{48A87A34-81AB-432B-8DAE-1953F412C126}" type="datetimeFigureOut">
               <a:rPr lang="en-US" dirty="0"/>
               <a:pPr/>
-              <a:t>6/21/2018</a:t>
+              <a:t>6/24/2018</a:t>
             </a:fld>
             <a:endParaRPr lang="en-US" dirty="0"/>
           </a:p>
@@ -12381,47 +14910,83 @@
             <p:ph type="ctrTitle"/>
           </p:nvPr>
         </p:nvSpPr>
-        <p:spPr/>
+        <p:spPr>
+          <a:xfrm>
+            <a:off x="1876424" y="1584325"/>
+            <a:ext cx="8791575" cy="2387600"/>
+          </a:xfrm>
+        </p:spPr>
+        <p:txBody>
+          <a:bodyPr>
+            <a:normAutofit/>
+          </a:bodyPr>
+          <a:lstStyle/>
+          <a:p>
+            <a:pPr algn="ctr"/>
+            <a:r>
+              <a:rPr lang="en-US" sz="8800" dirty="0"/>
+              <a:t>BiFrost Games</a:t>
+            </a:r>
+          </a:p>
+        </p:txBody>
+      </p:sp>
+      <p:sp>
+        <p:nvSpPr>
+          <p:cNvPr id="3" name="Subtitle 2"/>
+          <p:cNvSpPr>
+            <a:spLocks noGrp="1"/>
+          </p:cNvSpPr>
+          <p:nvPr>
+            <p:ph type="subTitle" idx="1"/>
+          </p:nvPr>
+        </p:nvSpPr>
+        <p:spPr>
+          <a:xfrm>
+            <a:off x="1876424" y="4079875"/>
+            <a:ext cx="8791575" cy="1655762"/>
+          </a:xfrm>
+        </p:spPr>
         <p:txBody>
           <a:bodyPr/>
           <a:lstStyle/>
           <a:p>
             <a:pPr algn="ctr"/>
             <a:r>
-              <a:rPr lang="en-US" dirty="0" err="1" smtClean="0"/>
-              <a:t>BiFrost</a:t>
-            </a:r>
-            <a:r>
-              <a:rPr lang="en-US" dirty="0" smtClean="0"/>
-              <a:t> Games</a:t>
-            </a:r>
-            <a:endParaRPr lang="en-US" dirty="0"/>
-          </a:p>
-        </p:txBody>
-      </p:sp>
-      <p:sp>
-        <p:nvSpPr>
-          <p:cNvPr id="3" name="Subtitle 2"/>
-          <p:cNvSpPr>
-            <a:spLocks noGrp="1"/>
-          </p:cNvSpPr>
-          <p:nvPr>
-            <p:ph type="subTitle" idx="1"/>
-          </p:nvPr>
-        </p:nvSpPr>
-        <p:spPr/>
-        <p:txBody>
-          <a:bodyPr/>
-          <a:lstStyle/>
-          <a:p>
-            <a:pPr algn="ctr"/>
-            <a:r>
               <a:rPr lang="en-US" dirty="0"/>
               <a:t>A presentation by Devan, Curtis, Evan, and Pat</a:t>
             </a:r>
           </a:p>
         </p:txBody>
       </p:sp>
+      <p:pic>
+        <p:nvPicPr>
+          <p:cNvPr id="7" name="Picture 6">
+            <a:extLst>
+              <a:ext uri="{FF2B5EF4-FFF2-40B4-BE49-F238E27FC236}">
+                <a16:creationId xmlns:a16="http://schemas.microsoft.com/office/drawing/2014/main" id="{1F6C51B1-33AB-4F6A-8B13-1832194899E6}"/>
+              </a:ext>
+            </a:extLst>
+          </p:cNvPr>
+          <p:cNvPicPr>
+            <a:picLocks noChangeAspect="1"/>
+          </p:cNvPicPr>
+          <p:nvPr/>
+        </p:nvPicPr>
+        <p:blipFill rotWithShape="1">
+          <a:blip r:embed="rId3"/>
+          <a:srcRect r="73699"/>
+          <a:stretch/>
+        </p:blipFill>
+        <p:spPr>
+          <a:xfrm>
+            <a:off x="5101778" y="641985"/>
+            <a:ext cx="2340865" cy="1668780"/>
+          </a:xfrm>
+          <a:prstGeom prst="rect">
+            <a:avLst/>
+          </a:prstGeom>
+        </p:spPr>
+      </p:pic>
     </p:spTree>
     <p:extLst>
       <p:ext uri="{BB962C8B-B14F-4D97-AF65-F5344CB8AC3E}">
@@ -12454,7 +15019,13 @@
       </p:grpSpPr>
       <p:sp>
         <p:nvSpPr>
-          <p:cNvPr id="2" name="Title 1"/>
+          <p:cNvPr id="4" name="Title 2">
+            <a:extLst>
+              <a:ext uri="{FF2B5EF4-FFF2-40B4-BE49-F238E27FC236}">
+                <a16:creationId xmlns:a16="http://schemas.microsoft.com/office/drawing/2014/main" id="{B41D5508-D0AF-4C98-B295-BF05E6F4ADF9}"/>
+              </a:ext>
+            </a:extLst>
+          </p:cNvPr>
           <p:cNvSpPr>
             <a:spLocks noGrp="1"/>
           </p:cNvSpPr>
@@ -12462,84 +15033,62 @@
             <p:ph type="title"/>
           </p:nvPr>
         </p:nvSpPr>
-        <p:spPr/>
-        <p:txBody>
-          <a:bodyPr/>
+        <p:spPr>
+          <a:xfrm>
+            <a:off x="1139822" y="5602318"/>
+            <a:ext cx="9912355" cy="819355"/>
+          </a:xfrm>
+        </p:spPr>
+        <p:txBody>
+          <a:bodyPr>
+            <a:normAutofit fontScale="90000"/>
+          </a:bodyPr>
           <a:lstStyle/>
           <a:p>
-            <a:r>
-              <a:rPr lang="en-US" dirty="0" smtClean="0"/>
-              <a:t>Problems &amp; Challenges</a:t>
-            </a:r>
-            <a:endParaRPr lang="en-US" dirty="0"/>
-          </a:p>
-        </p:txBody>
-      </p:sp>
-      <p:sp>
-        <p:nvSpPr>
-          <p:cNvPr id="3" name="Content Placeholder 2"/>
-          <p:cNvSpPr>
-            <a:spLocks noGrp="1"/>
-          </p:cNvSpPr>
-          <p:nvPr>
-            <p:ph idx="1"/>
-          </p:nvPr>
-        </p:nvSpPr>
-        <p:spPr/>
-        <p:txBody>
-          <a:bodyPr/>
-          <a:lstStyle/>
-          <a:p>
-            <a:pPr marL="0" indent="0">
-              <a:buNone/>
-            </a:pPr>
-            <a:r>
-              <a:rPr lang="en-CA" dirty="0" smtClean="0"/>
-              <a:t>Problem:	</a:t>
-            </a:r>
-            <a:r>
-              <a:rPr lang="en-CA" dirty="0"/>
-              <a:t>Adopting change requests into "completed" </a:t>
-            </a:r>
-            <a:r>
-              <a:rPr lang="en-CA" dirty="0" smtClean="0"/>
-              <a:t>code</a:t>
-            </a:r>
-          </a:p>
-          <a:p>
-            <a:pPr marL="0" indent="0">
-              <a:buNone/>
-            </a:pPr>
-            <a:endParaRPr lang="en-CA" dirty="0" smtClean="0"/>
-          </a:p>
-          <a:p>
-            <a:pPr marL="0" indent="0">
-              <a:buNone/>
-            </a:pPr>
-            <a:r>
-              <a:rPr lang="en-CA" dirty="0" smtClean="0"/>
-              <a:t>Solution:	</a:t>
-            </a:r>
-            <a:r>
-              <a:rPr lang="en-CA" dirty="0"/>
-              <a:t>Re-think the code logic to effectively accommodate new and </a:t>
-            </a:r>
-            <a:r>
-              <a:rPr lang="en-CA" dirty="0" smtClean="0"/>
-              <a:t>		existing </a:t>
-            </a:r>
-            <a:r>
-              <a:rPr lang="en-CA" dirty="0"/>
-              <a:t>functionality</a:t>
-            </a:r>
-            <a:endParaRPr lang="en-CA" dirty="0" smtClean="0"/>
-          </a:p>
-        </p:txBody>
-      </p:sp>
+            <a:pPr algn="ctr"/>
+            <a:r>
+              <a:rPr lang="en-CA" b="1" dirty="0"/>
+              <a:t>Log in Redirect</a:t>
+            </a:r>
+            <a:br>
+              <a:rPr lang="en-CA" b="1" dirty="0"/>
+            </a:br>
+            <a:endParaRPr lang="en-CA" dirty="0"/>
+          </a:p>
+        </p:txBody>
+      </p:sp>
+      <p:pic>
+        <p:nvPicPr>
+          <p:cNvPr id="6" name="Picture 5">
+            <a:extLst>
+              <a:ext uri="{FF2B5EF4-FFF2-40B4-BE49-F238E27FC236}">
+                <a16:creationId xmlns:a16="http://schemas.microsoft.com/office/drawing/2014/main" id="{69982A0D-59A5-4F72-9158-FCABFF43B70D}"/>
+              </a:ext>
+            </a:extLst>
+          </p:cNvPr>
+          <p:cNvPicPr/>
+          <p:nvPr/>
+        </p:nvPicPr>
+        <p:blipFill>
+          <a:blip r:embed="rId3"/>
+          <a:stretch>
+            <a:fillRect/>
+          </a:stretch>
+        </p:blipFill>
+        <p:spPr>
+          <a:xfrm>
+            <a:off x="982203" y="653303"/>
+            <a:ext cx="10227591" cy="3394556"/>
+          </a:xfrm>
+          <a:prstGeom prst="rect">
+            <a:avLst/>
+          </a:prstGeom>
+        </p:spPr>
+      </p:pic>
     </p:spTree>
     <p:extLst>
       <p:ext uri="{BB962C8B-B14F-4D97-AF65-F5344CB8AC3E}">
-        <p14:creationId xmlns:p14="http://schemas.microsoft.com/office/powerpoint/2010/main" val="1463698916"/>
+        <p14:creationId xmlns:p14="http://schemas.microsoft.com/office/powerpoint/2010/main" val="301673662"/>
       </p:ext>
     </p:extLst>
   </p:cSld>
@@ -12568,7 +15117,13 @@
       </p:grpSpPr>
       <p:sp>
         <p:nvSpPr>
-          <p:cNvPr id="2" name="Title 1"/>
+          <p:cNvPr id="4" name="Title 2">
+            <a:extLst>
+              <a:ext uri="{FF2B5EF4-FFF2-40B4-BE49-F238E27FC236}">
+                <a16:creationId xmlns:a16="http://schemas.microsoft.com/office/drawing/2014/main" id="{B41D5508-D0AF-4C98-B295-BF05E6F4ADF9}"/>
+              </a:ext>
+            </a:extLst>
+          </p:cNvPr>
           <p:cNvSpPr>
             <a:spLocks noGrp="1"/>
           </p:cNvSpPr>
@@ -12576,45 +15131,73 @@
             <p:ph type="title"/>
           </p:nvPr>
         </p:nvSpPr>
-        <p:spPr/>
-        <p:txBody>
-          <a:bodyPr/>
+        <p:spPr>
+          <a:xfrm>
+            <a:off x="1139822" y="5602318"/>
+            <a:ext cx="9912355" cy="819355"/>
+          </a:xfrm>
+        </p:spPr>
+        <p:txBody>
+          <a:bodyPr>
+            <a:normAutofit fontScale="90000"/>
+          </a:bodyPr>
           <a:lstStyle/>
           <a:p>
-            <a:r>
-              <a:rPr lang="en-US" dirty="0" smtClean="0"/>
-              <a:t>Skills Learned</a:t>
-            </a:r>
-            <a:endParaRPr lang="en-US" dirty="0"/>
-          </a:p>
-        </p:txBody>
-      </p:sp>
-      <p:sp>
-        <p:nvSpPr>
-          <p:cNvPr id="3" name="Content Placeholder 2"/>
-          <p:cNvSpPr>
-            <a:spLocks noGrp="1"/>
-          </p:cNvSpPr>
-          <p:nvPr>
-            <p:ph idx="1"/>
-          </p:nvPr>
-        </p:nvSpPr>
-        <p:spPr/>
-        <p:txBody>
-          <a:bodyPr/>
-          <a:lstStyle/>
-          <a:p>
-            <a:r>
-              <a:rPr lang="en-CA" dirty="0" smtClean="0"/>
-              <a:t>…</a:t>
-            </a:r>
-          </a:p>
-        </p:txBody>
-      </p:sp>
+            <a:pPr algn="ctr"/>
+            <a:r>
+              <a:rPr lang="en-CA" b="1" dirty="0"/>
+              <a:t>Checkout Structure</a:t>
+            </a:r>
+            <a:br>
+              <a:rPr lang="en-CA" b="1" dirty="0"/>
+            </a:br>
+            <a:endParaRPr lang="en-CA" dirty="0"/>
+          </a:p>
+        </p:txBody>
+      </p:sp>
+      <p:pic>
+        <p:nvPicPr>
+          <p:cNvPr id="5" name="Picture 4" descr="Checkout snippet">
+            <a:extLst>
+              <a:ext uri="{FF2B5EF4-FFF2-40B4-BE49-F238E27FC236}">
+                <a16:creationId xmlns:a16="http://schemas.microsoft.com/office/drawing/2014/main" id="{03ACCA8B-F36D-4201-B09D-C92CEEFF349F}"/>
+              </a:ext>
+            </a:extLst>
+          </p:cNvPr>
+          <p:cNvPicPr/>
+          <p:nvPr/>
+        </p:nvPicPr>
+        <p:blipFill>
+          <a:blip r:embed="rId3">
+            <a:extLst>
+              <a:ext uri="{28A0092B-C50C-407E-A947-70E740481C1C}">
+                <a14:useLocalDpi xmlns:a14="http://schemas.microsoft.com/office/drawing/2010/main" val="0"/>
+              </a:ext>
+            </a:extLst>
+          </a:blip>
+          <a:srcRect/>
+          <a:stretch>
+            <a:fillRect/>
+          </a:stretch>
+        </p:blipFill>
+        <p:spPr bwMode="auto">
+          <a:xfrm>
+            <a:off x="3031558" y="436327"/>
+            <a:ext cx="6128883" cy="4317440"/>
+          </a:xfrm>
+          <a:prstGeom prst="rect">
+            <a:avLst/>
+          </a:prstGeom>
+          <a:noFill/>
+          <a:ln>
+            <a:noFill/>
+          </a:ln>
+        </p:spPr>
+      </p:pic>
     </p:spTree>
     <p:extLst>
       <p:ext uri="{BB962C8B-B14F-4D97-AF65-F5344CB8AC3E}">
-        <p14:creationId xmlns:p14="http://schemas.microsoft.com/office/powerpoint/2010/main" val="3684803519"/>
+        <p14:creationId xmlns:p14="http://schemas.microsoft.com/office/powerpoint/2010/main" val="2289821987"/>
       </p:ext>
     </p:extLst>
   </p:cSld>
@@ -12643,7 +15226,13 @@
       </p:grpSpPr>
       <p:sp>
         <p:nvSpPr>
-          <p:cNvPr id="2" name="Title 1"/>
+          <p:cNvPr id="3" name="Title 2">
+            <a:extLst>
+              <a:ext uri="{FF2B5EF4-FFF2-40B4-BE49-F238E27FC236}">
+                <a16:creationId xmlns:a16="http://schemas.microsoft.com/office/drawing/2014/main" id="{012FEDB6-8B5B-42F9-AA1D-F0B8A3ED74CA}"/>
+              </a:ext>
+            </a:extLst>
+          </p:cNvPr>
           <p:cNvSpPr>
             <a:spLocks noGrp="1"/>
           </p:cNvSpPr>
@@ -12651,45 +15240,64 @@
             <p:ph type="title"/>
           </p:nvPr>
         </p:nvSpPr>
-        <p:spPr/>
-        <p:txBody>
-          <a:bodyPr/>
+        <p:spPr>
+          <a:xfrm>
+            <a:off x="1139822" y="5644084"/>
+            <a:ext cx="9912355" cy="819355"/>
+          </a:xfrm>
+        </p:spPr>
+        <p:txBody>
+          <a:bodyPr>
+            <a:normAutofit fontScale="90000"/>
+          </a:bodyPr>
           <a:lstStyle/>
           <a:p>
-            <a:r>
-              <a:rPr lang="en-US" dirty="0" smtClean="0"/>
-              <a:t>Proposed Changes</a:t>
-            </a:r>
-            <a:endParaRPr lang="en-US" dirty="0"/>
-          </a:p>
-        </p:txBody>
-      </p:sp>
-      <p:sp>
-        <p:nvSpPr>
-          <p:cNvPr id="3" name="Content Placeholder 2"/>
-          <p:cNvSpPr>
-            <a:spLocks noGrp="1"/>
-          </p:cNvSpPr>
-          <p:nvPr>
-            <p:ph idx="1"/>
-          </p:nvPr>
-        </p:nvSpPr>
-        <p:spPr/>
-        <p:txBody>
-          <a:bodyPr/>
-          <a:lstStyle/>
-          <a:p>
-            <a:r>
-              <a:rPr lang="en-CA" dirty="0" smtClean="0"/>
-              <a:t>…</a:t>
-            </a:r>
-          </a:p>
-        </p:txBody>
-      </p:sp>
+            <a:pPr algn="ctr"/>
+            <a:r>
+              <a:rPr lang="en-CA" b="1" dirty="0"/>
+              <a:t>Terms of Service</a:t>
+            </a:r>
+            <a:br>
+              <a:rPr lang="en-CA" b="1" dirty="0"/>
+            </a:br>
+            <a:endParaRPr lang="en-CA" dirty="0"/>
+          </a:p>
+        </p:txBody>
+      </p:sp>
+      <p:pic>
+        <p:nvPicPr>
+          <p:cNvPr id="4" name="Picture 3">
+            <a:extLst>
+              <a:ext uri="{FF2B5EF4-FFF2-40B4-BE49-F238E27FC236}">
+                <a16:creationId xmlns:a16="http://schemas.microsoft.com/office/drawing/2014/main" id="{C62AE73B-ABB6-49FA-98BE-F5F0CC2473E4}"/>
+              </a:ext>
+            </a:extLst>
+          </p:cNvPr>
+          <p:cNvPicPr>
+            <a:picLocks noChangeAspect="1"/>
+          </p:cNvPicPr>
+          <p:nvPr/>
+        </p:nvPicPr>
+        <p:blipFill>
+          <a:blip r:embed="rId3"/>
+          <a:stretch>
+            <a:fillRect/>
+          </a:stretch>
+        </p:blipFill>
+        <p:spPr>
+          <a:xfrm>
+            <a:off x="2267433" y="239577"/>
+            <a:ext cx="7657131" cy="5282827"/>
+          </a:xfrm>
+          <a:prstGeom prst="rect">
+            <a:avLst/>
+          </a:prstGeom>
+        </p:spPr>
+      </p:pic>
     </p:spTree>
     <p:extLst>
       <p:ext uri="{BB962C8B-B14F-4D97-AF65-F5344CB8AC3E}">
-        <p14:creationId xmlns:p14="http://schemas.microsoft.com/office/powerpoint/2010/main" val="3410798667"/>
+        <p14:creationId xmlns:p14="http://schemas.microsoft.com/office/powerpoint/2010/main" val="1062934365"/>
       </p:ext>
     </p:extLst>
   </p:cSld>
@@ -12733,7 +15341,7 @@
           <a:p>
             <a:r>
               <a:rPr lang="en-US" dirty="0"/>
-              <a:t>Concluding remarks</a:t>
+              <a:t>Problems &amp; Challenges</a:t>
             </a:r>
           </a:p>
         </p:txBody>
@@ -12749,27 +15357,627 @@
           </p:nvPr>
         </p:nvSpPr>
         <p:spPr/>
+        <p:txBody>
+          <a:bodyPr/>
+          <a:lstStyle/>
+          <a:p>
+            <a:pPr marL="0" indent="0">
+              <a:buNone/>
+            </a:pPr>
+            <a:r>
+              <a:rPr lang="en-CA" dirty="0"/>
+              <a:t>Problem:	Changing the cart quantities without reloading the page</a:t>
+            </a:r>
+          </a:p>
+          <a:p>
+            <a:pPr marL="0" indent="0">
+              <a:buNone/>
+            </a:pPr>
+            <a:endParaRPr lang="en-CA" dirty="0"/>
+          </a:p>
+          <a:p>
+            <a:pPr marL="0" indent="0">
+              <a:buNone/>
+            </a:pPr>
+            <a:r>
+              <a:rPr lang="en-CA" dirty="0"/>
+              <a:t>Solution:	Learned to use ajax to change quantity with server-side script.</a:t>
+            </a:r>
+          </a:p>
+        </p:txBody>
+      </p:sp>
+    </p:spTree>
+    <p:extLst>
+      <p:ext uri="{BB962C8B-B14F-4D97-AF65-F5344CB8AC3E}">
+        <p14:creationId xmlns:p14="http://schemas.microsoft.com/office/powerpoint/2010/main" val="1282692921"/>
+      </p:ext>
+    </p:extLst>
+  </p:cSld>
+  <p:clrMapOvr>
+    <a:masterClrMapping/>
+  </p:clrMapOvr>
+</p:sld>
+</file>
+
+<file path=ppt/slides/slide14.xml><?xml version="1.0" encoding="utf-8"?>
+<p:sld xmlns:a="http://schemas.openxmlformats.org/drawingml/2006/main" xmlns:r="http://schemas.openxmlformats.org/officeDocument/2006/relationships" xmlns:p="http://schemas.openxmlformats.org/presentationml/2006/main">
+  <p:cSld>
+    <p:spTree>
+      <p:nvGrpSpPr>
+        <p:cNvPr id="1" name=""/>
+        <p:cNvGrpSpPr/>
+        <p:nvPr/>
+      </p:nvGrpSpPr>
+      <p:grpSpPr>
+        <a:xfrm>
+          <a:off x="0" y="0"/>
+          <a:ext cx="0" cy="0"/>
+          <a:chOff x="0" y="0"/>
+          <a:chExt cx="0" cy="0"/>
+        </a:xfrm>
+      </p:grpSpPr>
+      <p:sp>
+        <p:nvSpPr>
+          <p:cNvPr id="2" name="Title 1"/>
+          <p:cNvSpPr>
+            <a:spLocks noGrp="1"/>
+          </p:cNvSpPr>
+          <p:nvPr>
+            <p:ph type="title"/>
+          </p:nvPr>
+        </p:nvSpPr>
+        <p:spPr/>
+        <p:txBody>
+          <a:bodyPr/>
+          <a:lstStyle/>
+          <a:p>
+            <a:r>
+              <a:rPr lang="en-US" dirty="0"/>
+              <a:t>Problems &amp; Challenges</a:t>
+            </a:r>
+          </a:p>
+        </p:txBody>
+      </p:sp>
+      <p:sp>
+        <p:nvSpPr>
+          <p:cNvPr id="3" name="Content Placeholder 2"/>
+          <p:cNvSpPr>
+            <a:spLocks noGrp="1"/>
+          </p:cNvSpPr>
+          <p:nvPr>
+            <p:ph idx="1"/>
+          </p:nvPr>
+        </p:nvSpPr>
+        <p:spPr/>
+        <p:txBody>
+          <a:bodyPr/>
+          <a:lstStyle/>
+          <a:p>
+            <a:pPr marL="0" indent="0">
+              <a:buNone/>
+            </a:pPr>
+            <a:r>
+              <a:rPr lang="en-CA" dirty="0"/>
+              <a:t>Problem:	Git conflicts when pushing your work</a:t>
+            </a:r>
+          </a:p>
+          <a:p>
+            <a:pPr marL="0" indent="0">
+              <a:buNone/>
+            </a:pPr>
+            <a:endParaRPr lang="en-CA" dirty="0"/>
+          </a:p>
+          <a:p>
+            <a:pPr marL="0" indent="0">
+              <a:buNone/>
+            </a:pPr>
+            <a:r>
+              <a:rPr lang="en-CA" dirty="0"/>
+              <a:t>Solution:	Ensuring that the most recent version of master was pulled and 		rebased in branch before work begins</a:t>
+            </a:r>
+          </a:p>
+        </p:txBody>
+      </p:sp>
+    </p:spTree>
+    <p:extLst>
+      <p:ext uri="{BB962C8B-B14F-4D97-AF65-F5344CB8AC3E}">
+        <p14:creationId xmlns:p14="http://schemas.microsoft.com/office/powerpoint/2010/main" val="3772083529"/>
+      </p:ext>
+    </p:extLst>
+  </p:cSld>
+  <p:clrMapOvr>
+    <a:masterClrMapping/>
+  </p:clrMapOvr>
+</p:sld>
+</file>
+
+<file path=ppt/slides/slide15.xml><?xml version="1.0" encoding="utf-8"?>
+<p:sld xmlns:a="http://schemas.openxmlformats.org/drawingml/2006/main" xmlns:r="http://schemas.openxmlformats.org/officeDocument/2006/relationships" xmlns:p="http://schemas.openxmlformats.org/presentationml/2006/main">
+  <p:cSld>
+    <p:spTree>
+      <p:nvGrpSpPr>
+        <p:cNvPr id="1" name=""/>
+        <p:cNvGrpSpPr/>
+        <p:nvPr/>
+      </p:nvGrpSpPr>
+      <p:grpSpPr>
+        <a:xfrm>
+          <a:off x="0" y="0"/>
+          <a:ext cx="0" cy="0"/>
+          <a:chOff x="0" y="0"/>
+          <a:chExt cx="0" cy="0"/>
+        </a:xfrm>
+      </p:grpSpPr>
+      <p:sp>
+        <p:nvSpPr>
+          <p:cNvPr id="2" name="Title 1"/>
+          <p:cNvSpPr>
+            <a:spLocks noGrp="1"/>
+          </p:cNvSpPr>
+          <p:nvPr>
+            <p:ph type="title"/>
+          </p:nvPr>
+        </p:nvSpPr>
+        <p:spPr/>
+        <p:txBody>
+          <a:bodyPr/>
+          <a:lstStyle/>
+          <a:p>
+            <a:r>
+              <a:rPr lang="en-US" dirty="0"/>
+              <a:t>Problems &amp; Challenges</a:t>
+            </a:r>
+          </a:p>
+        </p:txBody>
+      </p:sp>
+      <p:sp>
+        <p:nvSpPr>
+          <p:cNvPr id="3" name="Content Placeholder 2"/>
+          <p:cNvSpPr>
+            <a:spLocks noGrp="1"/>
+          </p:cNvSpPr>
+          <p:nvPr>
+            <p:ph idx="1"/>
+          </p:nvPr>
+        </p:nvSpPr>
+        <p:spPr/>
+        <p:txBody>
+          <a:bodyPr/>
+          <a:lstStyle/>
+          <a:p>
+            <a:pPr marL="0" indent="0">
+              <a:buNone/>
+            </a:pPr>
+            <a:r>
+              <a:rPr lang="en-CA" dirty="0"/>
+              <a:t>Problem:	Git problems with temp files made by Microsoft when file is open</a:t>
+            </a:r>
+          </a:p>
+          <a:p>
+            <a:pPr marL="0" indent="0">
+              <a:buNone/>
+            </a:pPr>
+            <a:endParaRPr lang="en-CA" dirty="0"/>
+          </a:p>
+          <a:p>
+            <a:pPr marL="0" indent="0">
+              <a:buNone/>
+            </a:pPr>
+            <a:r>
+              <a:rPr lang="en-CA" dirty="0"/>
+              <a:t>Solution:	Close all windows before pushing to Git</a:t>
+            </a:r>
+          </a:p>
+        </p:txBody>
+      </p:sp>
+    </p:spTree>
+    <p:extLst>
+      <p:ext uri="{BB962C8B-B14F-4D97-AF65-F5344CB8AC3E}">
+        <p14:creationId xmlns:p14="http://schemas.microsoft.com/office/powerpoint/2010/main" val="39603794"/>
+      </p:ext>
+    </p:extLst>
+  </p:cSld>
+  <p:clrMapOvr>
+    <a:masterClrMapping/>
+  </p:clrMapOvr>
+</p:sld>
+</file>
+
+<file path=ppt/slides/slide16.xml><?xml version="1.0" encoding="utf-8"?>
+<p:sld xmlns:a="http://schemas.openxmlformats.org/drawingml/2006/main" xmlns:r="http://schemas.openxmlformats.org/officeDocument/2006/relationships" xmlns:p="http://schemas.openxmlformats.org/presentationml/2006/main">
+  <p:cSld>
+    <p:spTree>
+      <p:nvGrpSpPr>
+        <p:cNvPr id="1" name=""/>
+        <p:cNvGrpSpPr/>
+        <p:nvPr/>
+      </p:nvGrpSpPr>
+      <p:grpSpPr>
+        <a:xfrm>
+          <a:off x="0" y="0"/>
+          <a:ext cx="0" cy="0"/>
+          <a:chOff x="0" y="0"/>
+          <a:chExt cx="0" cy="0"/>
+        </a:xfrm>
+      </p:grpSpPr>
+      <p:sp>
+        <p:nvSpPr>
+          <p:cNvPr id="2" name="Title 1"/>
+          <p:cNvSpPr>
+            <a:spLocks noGrp="1"/>
+          </p:cNvSpPr>
+          <p:nvPr>
+            <p:ph type="title"/>
+          </p:nvPr>
+        </p:nvSpPr>
+        <p:spPr/>
+        <p:txBody>
+          <a:bodyPr/>
+          <a:lstStyle/>
+          <a:p>
+            <a:r>
+              <a:rPr lang="en-US" dirty="0"/>
+              <a:t>Problems &amp; Challenges</a:t>
+            </a:r>
+          </a:p>
+        </p:txBody>
+      </p:sp>
+      <p:sp>
+        <p:nvSpPr>
+          <p:cNvPr id="3" name="Content Placeholder 2"/>
+          <p:cNvSpPr>
+            <a:spLocks noGrp="1"/>
+          </p:cNvSpPr>
+          <p:nvPr>
+            <p:ph idx="1"/>
+          </p:nvPr>
+        </p:nvSpPr>
+        <p:spPr/>
+        <p:txBody>
+          <a:bodyPr/>
+          <a:lstStyle/>
+          <a:p>
+            <a:pPr marL="0" indent="0">
+              <a:buNone/>
+            </a:pPr>
+            <a:r>
+              <a:rPr lang="en-CA" dirty="0"/>
+              <a:t>Problem:	Adopting change requests into "completed" code</a:t>
+            </a:r>
+          </a:p>
+          <a:p>
+            <a:pPr marL="0" indent="0">
+              <a:buNone/>
+            </a:pPr>
+            <a:endParaRPr lang="en-CA" dirty="0"/>
+          </a:p>
+          <a:p>
+            <a:pPr marL="0" indent="0">
+              <a:buNone/>
+            </a:pPr>
+            <a:r>
+              <a:rPr lang="en-CA" dirty="0"/>
+              <a:t>Solution:	Re-think the code logic to effectively accommodate new and 		existing functionality</a:t>
+            </a:r>
+          </a:p>
+        </p:txBody>
+      </p:sp>
+    </p:spTree>
+    <p:extLst>
+      <p:ext uri="{BB962C8B-B14F-4D97-AF65-F5344CB8AC3E}">
+        <p14:creationId xmlns:p14="http://schemas.microsoft.com/office/powerpoint/2010/main" val="1463698916"/>
+      </p:ext>
+    </p:extLst>
+  </p:cSld>
+  <p:clrMapOvr>
+    <a:masterClrMapping/>
+  </p:clrMapOvr>
+</p:sld>
+</file>
+
+<file path=ppt/slides/slide17.xml><?xml version="1.0" encoding="utf-8"?>
+<p:sld xmlns:a="http://schemas.openxmlformats.org/drawingml/2006/main" xmlns:r="http://schemas.openxmlformats.org/officeDocument/2006/relationships" xmlns:p="http://schemas.openxmlformats.org/presentationml/2006/main">
+  <p:cSld>
+    <p:spTree>
+      <p:nvGrpSpPr>
+        <p:cNvPr id="1" name=""/>
+        <p:cNvGrpSpPr/>
+        <p:nvPr/>
+      </p:nvGrpSpPr>
+      <p:grpSpPr>
+        <a:xfrm>
+          <a:off x="0" y="0"/>
+          <a:ext cx="0" cy="0"/>
+          <a:chOff x="0" y="0"/>
+          <a:chExt cx="0" cy="0"/>
+        </a:xfrm>
+      </p:grpSpPr>
+      <p:sp>
+        <p:nvSpPr>
+          <p:cNvPr id="2" name="Title 1"/>
+          <p:cNvSpPr>
+            <a:spLocks noGrp="1"/>
+          </p:cNvSpPr>
+          <p:nvPr>
+            <p:ph type="title"/>
+          </p:nvPr>
+        </p:nvSpPr>
+        <p:spPr/>
+        <p:txBody>
+          <a:bodyPr/>
+          <a:lstStyle/>
+          <a:p>
+            <a:r>
+              <a:rPr lang="en-US" dirty="0"/>
+              <a:t>Skills Learned</a:t>
+            </a:r>
+          </a:p>
+        </p:txBody>
+      </p:sp>
+      <p:sp>
+        <p:nvSpPr>
+          <p:cNvPr id="3" name="Content Placeholder 2"/>
+          <p:cNvSpPr>
+            <a:spLocks noGrp="1"/>
+          </p:cNvSpPr>
+          <p:nvPr>
+            <p:ph idx="1"/>
+          </p:nvPr>
+        </p:nvSpPr>
+        <p:spPr>
+          <a:xfrm>
+            <a:off x="1141412" y="2097088"/>
+            <a:ext cx="9905999" cy="3783012"/>
+          </a:xfrm>
+        </p:spPr>
         <p:txBody>
           <a:bodyPr>
             <a:normAutofit/>
           </a:bodyPr>
           <a:lstStyle/>
           <a:p>
-            <a:r>
-              <a:rPr lang="en-CA" dirty="0" smtClean="0"/>
-              <a:t>…</a:t>
-            </a:r>
-            <a:endParaRPr lang="en-CA" dirty="0"/>
-          </a:p>
-          <a:p>
-            <a:endParaRPr lang="en-US" dirty="0"/>
+            <a:pPr lvl="0"/>
+            <a:r>
+              <a:rPr lang="en-CA" dirty="0"/>
+              <a:t>Learned how to use ajax with jQuery to run server sided scripts</a:t>
+            </a:r>
+          </a:p>
+          <a:p>
+            <a:pPr lvl="0"/>
+            <a:r>
+              <a:rPr lang="en-CA" dirty="0"/>
+              <a:t>Learned how to use git properly and how to coordinate the team using it</a:t>
+            </a:r>
+          </a:p>
+          <a:p>
+            <a:pPr lvl="0"/>
+            <a:r>
+              <a:rPr lang="en-CA" dirty="0"/>
+              <a:t>Planning and time management</a:t>
+            </a:r>
+          </a:p>
+          <a:p>
+            <a:pPr lvl="0"/>
+            <a:r>
+              <a:rPr lang="en-CA" dirty="0"/>
+              <a:t>Re-using code to make tasks easier</a:t>
+            </a:r>
+          </a:p>
+          <a:p>
+            <a:pPr lvl="0"/>
+            <a:r>
+              <a:rPr lang="en-CA" dirty="0"/>
+              <a:t>How to work on code together with another teammate.</a:t>
+            </a:r>
           </a:p>
         </p:txBody>
       </p:sp>
     </p:spTree>
     <p:extLst>
       <p:ext uri="{BB962C8B-B14F-4D97-AF65-F5344CB8AC3E}">
-        <p14:creationId xmlns:p14="http://schemas.microsoft.com/office/powerpoint/2010/main" val="914761729"/>
+        <p14:creationId xmlns:p14="http://schemas.microsoft.com/office/powerpoint/2010/main" val="3684803519"/>
+      </p:ext>
+    </p:extLst>
+  </p:cSld>
+  <p:clrMapOvr>
+    <a:masterClrMapping/>
+  </p:clrMapOvr>
+</p:sld>
+</file>
+
+<file path=ppt/slides/slide18.xml><?xml version="1.0" encoding="utf-8"?>
+<p:sld xmlns:a="http://schemas.openxmlformats.org/drawingml/2006/main" xmlns:r="http://schemas.openxmlformats.org/officeDocument/2006/relationships" xmlns:p="http://schemas.openxmlformats.org/presentationml/2006/main">
+  <p:cSld>
+    <p:spTree>
+      <p:nvGrpSpPr>
+        <p:cNvPr id="1" name=""/>
+        <p:cNvGrpSpPr/>
+        <p:nvPr/>
+      </p:nvGrpSpPr>
+      <p:grpSpPr>
+        <a:xfrm>
+          <a:off x="0" y="0"/>
+          <a:ext cx="0" cy="0"/>
+          <a:chOff x="0" y="0"/>
+          <a:chExt cx="0" cy="0"/>
+        </a:xfrm>
+      </p:grpSpPr>
+      <p:sp>
+        <p:nvSpPr>
+          <p:cNvPr id="2" name="Title 1"/>
+          <p:cNvSpPr>
+            <a:spLocks noGrp="1"/>
+          </p:cNvSpPr>
+          <p:nvPr>
+            <p:ph type="title"/>
+          </p:nvPr>
+        </p:nvSpPr>
+        <p:spPr/>
+        <p:txBody>
+          <a:bodyPr/>
+          <a:lstStyle/>
+          <a:p>
+            <a:r>
+              <a:rPr lang="en-US" dirty="0"/>
+              <a:t>Skills Learned</a:t>
+            </a:r>
+          </a:p>
+        </p:txBody>
+      </p:sp>
+      <p:sp>
+        <p:nvSpPr>
+          <p:cNvPr id="3" name="Content Placeholder 2"/>
+          <p:cNvSpPr>
+            <a:spLocks noGrp="1"/>
+          </p:cNvSpPr>
+          <p:nvPr>
+            <p:ph idx="1"/>
+          </p:nvPr>
+        </p:nvSpPr>
+        <p:spPr>
+          <a:xfrm>
+            <a:off x="1141412" y="2097088"/>
+            <a:ext cx="9905999" cy="4037012"/>
+          </a:xfrm>
+        </p:spPr>
+        <p:txBody>
+          <a:bodyPr>
+            <a:normAutofit/>
+          </a:bodyPr>
+          <a:lstStyle/>
+          <a:p>
+            <a:pPr lvl="0"/>
+            <a:r>
+              <a:rPr lang="en-CA" dirty="0"/>
+              <a:t>How to organize project tasks with MS Project.</a:t>
+            </a:r>
+          </a:p>
+          <a:p>
+            <a:pPr lvl="0"/>
+            <a:r>
+              <a:rPr lang="en-CA" dirty="0"/>
+              <a:t>How to design code to be more modular (i.e. using header/footer.php files).</a:t>
+            </a:r>
+          </a:p>
+          <a:p>
+            <a:pPr lvl="0"/>
+            <a:r>
+              <a:rPr lang="en-CA" dirty="0"/>
+              <a:t>How to integrate external code (i.e. Stripe).</a:t>
+            </a:r>
+          </a:p>
+          <a:p>
+            <a:pPr lvl="0"/>
+            <a:r>
+              <a:rPr lang="en-CA" dirty="0"/>
+              <a:t>How to use php to create dynamic web pages.</a:t>
+            </a:r>
+          </a:p>
+          <a:p>
+            <a:pPr lvl="0"/>
+            <a:r>
+              <a:rPr lang="en-CA" dirty="0"/>
+              <a:t>How to use php to interact with a database.</a:t>
+            </a:r>
+          </a:p>
+        </p:txBody>
+      </p:sp>
+    </p:spTree>
+    <p:extLst>
+      <p:ext uri="{BB962C8B-B14F-4D97-AF65-F5344CB8AC3E}">
+        <p14:creationId xmlns:p14="http://schemas.microsoft.com/office/powerpoint/2010/main" val="743455387"/>
+      </p:ext>
+    </p:extLst>
+  </p:cSld>
+  <p:clrMapOvr>
+    <a:masterClrMapping/>
+  </p:clrMapOvr>
+</p:sld>
+</file>
+
+<file path=ppt/slides/slide19.xml><?xml version="1.0" encoding="utf-8"?>
+<p:sld xmlns:a="http://schemas.openxmlformats.org/drawingml/2006/main" xmlns:r="http://schemas.openxmlformats.org/officeDocument/2006/relationships" xmlns:p="http://schemas.openxmlformats.org/presentationml/2006/main">
+  <p:cSld>
+    <p:spTree>
+      <p:nvGrpSpPr>
+        <p:cNvPr id="1" name=""/>
+        <p:cNvGrpSpPr/>
+        <p:nvPr/>
+      </p:nvGrpSpPr>
+      <p:grpSpPr>
+        <a:xfrm>
+          <a:off x="0" y="0"/>
+          <a:ext cx="0" cy="0"/>
+          <a:chOff x="0" y="0"/>
+          <a:chExt cx="0" cy="0"/>
+        </a:xfrm>
+      </p:grpSpPr>
+      <p:sp>
+        <p:nvSpPr>
+          <p:cNvPr id="2" name="Title 1"/>
+          <p:cNvSpPr>
+            <a:spLocks noGrp="1"/>
+          </p:cNvSpPr>
+          <p:nvPr>
+            <p:ph type="title"/>
+          </p:nvPr>
+        </p:nvSpPr>
+        <p:spPr/>
+        <p:txBody>
+          <a:bodyPr/>
+          <a:lstStyle/>
+          <a:p>
+            <a:r>
+              <a:rPr lang="en-US" dirty="0"/>
+              <a:t>Proposed Changes</a:t>
+            </a:r>
+          </a:p>
+        </p:txBody>
+      </p:sp>
+      <p:sp>
+        <p:nvSpPr>
+          <p:cNvPr id="3" name="Content Placeholder 2"/>
+          <p:cNvSpPr>
+            <a:spLocks noGrp="1"/>
+          </p:cNvSpPr>
+          <p:nvPr>
+            <p:ph idx="1"/>
+          </p:nvPr>
+        </p:nvSpPr>
+        <p:spPr/>
+        <p:txBody>
+          <a:bodyPr/>
+          <a:lstStyle/>
+          <a:p>
+            <a:pPr lvl="0"/>
+            <a:r>
+              <a:rPr lang="en-CA" dirty="0"/>
+              <a:t>Plan out the design/pages needed more carefully.</a:t>
+            </a:r>
+          </a:p>
+          <a:p>
+            <a:pPr lvl="0"/>
+            <a:r>
+              <a:rPr lang="en-CA" dirty="0"/>
+              <a:t>Next time I would make cleaner code from the beginning and put comments explaining what the code does as I do it rather than later.</a:t>
+            </a:r>
+          </a:p>
+          <a:p>
+            <a:pPr lvl="0"/>
+            <a:r>
+              <a:rPr lang="en-CA" dirty="0"/>
+              <a:t>Switch roles more systematically to gain experience with every role.</a:t>
+            </a:r>
+          </a:p>
+          <a:p>
+            <a:endParaRPr lang="en-CA" dirty="0"/>
+          </a:p>
+        </p:txBody>
+      </p:sp>
+    </p:spTree>
+    <p:extLst>
+      <p:ext uri="{BB962C8B-B14F-4D97-AF65-F5344CB8AC3E}">
+        <p14:creationId xmlns:p14="http://schemas.microsoft.com/office/powerpoint/2010/main" val="3410798667"/>
       </p:ext>
     </p:extLst>
   </p:cSld>
@@ -12801,7 +16009,7 @@
           <p:cNvPr id="2" name="Title 1">
             <a:extLst>
               <a:ext uri="{FF2B5EF4-FFF2-40B4-BE49-F238E27FC236}">
-                <a16:creationId xmlns:a16="http://schemas.microsoft.com/office/drawing/2014/main" xmlns="" id="{F9AE0035-9CD5-4A6E-998F-7839B922D5AB}"/>
+                <a16:creationId xmlns:a16="http://schemas.microsoft.com/office/drawing/2014/main" id="{F9AE0035-9CD5-4A6E-998F-7839B922D5AB}"/>
               </a:ext>
             </a:extLst>
           </p:cNvPr>
@@ -12829,7 +16037,7 @@
           <p:cNvPr id="3" name="Content Placeholder 2">
             <a:extLst>
               <a:ext uri="{FF2B5EF4-FFF2-40B4-BE49-F238E27FC236}">
-                <a16:creationId xmlns:a16="http://schemas.microsoft.com/office/drawing/2014/main" xmlns="" id="{BFAA6E3D-900D-424D-935D-90602F7437FD}"/>
+                <a16:creationId xmlns:a16="http://schemas.microsoft.com/office/drawing/2014/main" id="{BFAA6E3D-900D-424D-935D-90602F7437FD}"/>
               </a:ext>
             </a:extLst>
           </p:cNvPr>
@@ -12853,9 +16061,50 @@
           <a:lstStyle/>
           <a:p>
             <a:r>
-              <a:rPr lang="en-CA" dirty="0" smtClean="0"/>
-              <a:t>…</a:t>
-            </a:r>
+              <a:rPr lang="en-CA" dirty="0"/>
+              <a:t>Project Overview</a:t>
+            </a:r>
+          </a:p>
+          <a:p>
+            <a:r>
+              <a:rPr lang="en-CA" dirty="0"/>
+              <a:t>Demo</a:t>
+            </a:r>
+          </a:p>
+          <a:p>
+            <a:r>
+              <a:rPr lang="en-CA" dirty="0"/>
+              <a:t>Code Segments</a:t>
+            </a:r>
+          </a:p>
+          <a:p>
+            <a:r>
+              <a:rPr lang="en-CA" dirty="0"/>
+              <a:t>Problems and Challenges</a:t>
+            </a:r>
+          </a:p>
+          <a:p>
+            <a:r>
+              <a:rPr lang="en-CA" dirty="0"/>
+              <a:t>Skills Learned</a:t>
+            </a:r>
+          </a:p>
+          <a:p>
+            <a:r>
+              <a:rPr lang="en-CA" dirty="0"/>
+              <a:t>Proposed Changes</a:t>
+            </a:r>
+          </a:p>
+          <a:p>
+            <a:endParaRPr lang="en-CA" dirty="0"/>
+          </a:p>
+          <a:p>
+            <a:endParaRPr lang="en-CA" dirty="0"/>
+          </a:p>
+          <a:p>
+            <a:endParaRPr lang="en-CA" dirty="0"/>
+          </a:p>
+          <a:p>
             <a:endParaRPr lang="en-CA" dirty="0"/>
           </a:p>
           <a:p>
@@ -12870,6 +16119,135 @@
     <p:extLst>
       <p:ext uri="{BB962C8B-B14F-4D97-AF65-F5344CB8AC3E}">
         <p14:creationId xmlns:p14="http://schemas.microsoft.com/office/powerpoint/2010/main" val="288888032"/>
+      </p:ext>
+    </p:extLst>
+  </p:cSld>
+  <p:clrMapOvr>
+    <a:masterClrMapping/>
+  </p:clrMapOvr>
+</p:sld>
+</file>
+
+<file path=ppt/slides/slide20.xml><?xml version="1.0" encoding="utf-8"?>
+<p:sld xmlns:a="http://schemas.openxmlformats.org/drawingml/2006/main" xmlns:r="http://schemas.openxmlformats.org/officeDocument/2006/relationships" xmlns:p="http://schemas.openxmlformats.org/presentationml/2006/main">
+  <p:cSld>
+    <p:spTree>
+      <p:nvGrpSpPr>
+        <p:cNvPr id="1" name=""/>
+        <p:cNvGrpSpPr/>
+        <p:nvPr/>
+      </p:nvGrpSpPr>
+      <p:grpSpPr>
+        <a:xfrm>
+          <a:off x="0" y="0"/>
+          <a:ext cx="0" cy="0"/>
+          <a:chOff x="0" y="0"/>
+          <a:chExt cx="0" cy="0"/>
+        </a:xfrm>
+      </p:grpSpPr>
+      <p:sp>
+        <p:nvSpPr>
+          <p:cNvPr id="2" name="Title 1"/>
+          <p:cNvSpPr>
+            <a:spLocks noGrp="1"/>
+          </p:cNvSpPr>
+          <p:nvPr>
+            <p:ph type="title"/>
+          </p:nvPr>
+        </p:nvSpPr>
+        <p:spPr>
+          <a:xfrm>
+            <a:off x="1143001" y="2689715"/>
+            <a:ext cx="9905998" cy="1478570"/>
+          </a:xfrm>
+        </p:spPr>
+        <p:txBody>
+          <a:bodyPr>
+            <a:normAutofit/>
+          </a:bodyPr>
+          <a:lstStyle/>
+          <a:p>
+            <a:r>
+              <a:rPr lang="en-US" sz="4400" dirty="0"/>
+              <a:t>Concluding remarks</a:t>
+            </a:r>
+          </a:p>
+        </p:txBody>
+      </p:sp>
+    </p:spTree>
+    <p:extLst>
+      <p:ext uri="{BB962C8B-B14F-4D97-AF65-F5344CB8AC3E}">
+        <p14:creationId xmlns:p14="http://schemas.microsoft.com/office/powerpoint/2010/main" val="914761729"/>
+      </p:ext>
+    </p:extLst>
+  </p:cSld>
+  <p:clrMapOvr>
+    <a:masterClrMapping/>
+  </p:clrMapOvr>
+</p:sld>
+</file>
+
+<file path=ppt/slides/slide21.xml><?xml version="1.0" encoding="utf-8"?>
+<p:sld xmlns:a="http://schemas.openxmlformats.org/drawingml/2006/main" xmlns:r="http://schemas.openxmlformats.org/officeDocument/2006/relationships" xmlns:p="http://schemas.openxmlformats.org/presentationml/2006/main">
+  <p:cSld>
+    <p:spTree>
+      <p:nvGrpSpPr>
+        <p:cNvPr id="1" name=""/>
+        <p:cNvGrpSpPr/>
+        <p:nvPr/>
+      </p:nvGrpSpPr>
+      <p:grpSpPr>
+        <a:xfrm>
+          <a:off x="0" y="0"/>
+          <a:ext cx="0" cy="0"/>
+          <a:chOff x="0" y="0"/>
+          <a:chExt cx="0" cy="0"/>
+        </a:xfrm>
+      </p:grpSpPr>
+      <p:sp>
+        <p:nvSpPr>
+          <p:cNvPr id="4" name="Title 3">
+            <a:extLst>
+              <a:ext uri="{FF2B5EF4-FFF2-40B4-BE49-F238E27FC236}">
+                <a16:creationId xmlns:a16="http://schemas.microsoft.com/office/drawing/2014/main" id="{DA6A0544-E7EC-4588-B71C-C4F0A87E55DE}"/>
+              </a:ext>
+            </a:extLst>
+          </p:cNvPr>
+          <p:cNvSpPr>
+            <a:spLocks noGrp="1"/>
+          </p:cNvSpPr>
+          <p:nvPr>
+            <p:ph type="title"/>
+          </p:nvPr>
+        </p:nvSpPr>
+        <p:spPr/>
+        <p:txBody>
+          <a:bodyPr>
+            <a:normAutofit/>
+          </a:bodyPr>
+          <a:lstStyle/>
+          <a:p>
+            <a:pPr algn="ctr"/>
+            <a:br>
+              <a:rPr lang="en-CA" sz="4800" dirty="0"/>
+            </a:br>
+            <a:br>
+              <a:rPr lang="en-CA" sz="4800" dirty="0"/>
+            </a:br>
+            <a:br>
+              <a:rPr lang="en-CA" sz="4800" dirty="0"/>
+            </a:br>
+            <a:r>
+              <a:rPr lang="en-CA" sz="4800" dirty="0"/>
+              <a:t>Questions?</a:t>
+            </a:r>
+          </a:p>
+        </p:txBody>
+      </p:sp>
+    </p:spTree>
+    <p:extLst>
+      <p:ext uri="{BB962C8B-B14F-4D97-AF65-F5344CB8AC3E}">
+        <p14:creationId xmlns:p14="http://schemas.microsoft.com/office/powerpoint/2010/main" val="1894589270"/>
       </p:ext>
     </p:extLst>
   </p:cSld>
@@ -12912,10 +16290,9 @@
           <a:lstStyle/>
           <a:p>
             <a:r>
-              <a:rPr lang="en-US" dirty="0" smtClean="0"/>
-              <a:t>Project Overview / Specifications</a:t>
-            </a:r>
-            <a:endParaRPr lang="en-US" dirty="0"/>
+              <a:rPr lang="en-US" dirty="0"/>
+              <a:t>Project Overview</a:t>
+            </a:r>
           </a:p>
         </p:txBody>
       </p:sp>
@@ -12934,60 +16311,20 @@
           <a:bodyPr/>
           <a:lstStyle/>
           <a:p>
+            <a:pPr marL="0" indent="0">
+              <a:buNone/>
+            </a:pPr>
             <a:r>
               <a:rPr lang="en-CA" dirty="0"/>
-              <a:t>We </a:t>
-            </a:r>
-            <a:r>
-              <a:rPr lang="en-CA" dirty="0" smtClean="0"/>
-              <a:t>created </a:t>
+              <a:t>We created a retail website that is able to have video games added, posted, and sold to it. A shopping cart was implemented so customers can add multiple games and buy them in one transaction. The games are able to be sorted by console and genre simultaneously for ease of search. Customers </a:t>
+            </a:r>
+            <a:r>
+              <a:rPr lang="en-CA"/>
+              <a:t>are also able </a:t>
             </a:r>
             <a:r>
               <a:rPr lang="en-CA" dirty="0"/>
-              <a:t>a website that will </a:t>
-            </a:r>
-            <a:r>
-              <a:rPr lang="en-CA" dirty="0" smtClean="0"/>
-              <a:t>sell popular video games</a:t>
-            </a:r>
-          </a:p>
-          <a:p>
-            <a:r>
-              <a:rPr lang="en-CA" dirty="0" smtClean="0"/>
-              <a:t>Admin accounts can add new games to the website</a:t>
-            </a:r>
-          </a:p>
-          <a:p>
-            <a:r>
-              <a:rPr lang="en-CA" dirty="0" smtClean="0"/>
-              <a:t>Users can sort games </a:t>
-            </a:r>
-            <a:r>
-              <a:rPr lang="en-CA" dirty="0"/>
-              <a:t>by console and genre </a:t>
-            </a:r>
-            <a:r>
-              <a:rPr lang="en-CA" dirty="0" smtClean="0"/>
-              <a:t>simultaneously</a:t>
-            </a:r>
-          </a:p>
-          <a:p>
-            <a:r>
-              <a:rPr lang="en-CA" dirty="0" smtClean="0"/>
-              <a:t>Users can add multiple games to their cart to be bought in a single purchase.</a:t>
-            </a:r>
-          </a:p>
-          <a:p>
-            <a:r>
-              <a:rPr lang="en-CA" dirty="0" smtClean="0"/>
-              <a:t>Order information will be recorded to a receipt</a:t>
-            </a:r>
-            <a:endParaRPr lang="en-CA" dirty="0"/>
-          </a:p>
-          <a:p>
-            <a:r>
-              <a:rPr lang="en-CA" dirty="0" smtClean="0"/>
-              <a:t>Users can view their detailed order history</a:t>
+              <a:t>to make an account to save their order history and to place orders.</a:t>
             </a:r>
           </a:p>
         </p:txBody>
@@ -13029,13 +16366,13 @@
             <a:spLocks noGrp="1"/>
           </p:cNvSpPr>
           <p:nvPr>
-            <p:ph type="title"/>
+            <p:ph type="ctrTitle"/>
           </p:nvPr>
         </p:nvSpPr>
         <p:spPr>
           <a:xfrm>
-            <a:off x="1048326" y="2600630"/>
-            <a:ext cx="9905998" cy="1478570"/>
+            <a:off x="1059558" y="2161288"/>
+            <a:ext cx="8791575" cy="2387600"/>
           </a:xfrm>
         </p:spPr>
         <p:txBody>
@@ -13046,17 +16383,45 @@
           <a:p>
             <a:pPr algn="ctr"/>
             <a:r>
-              <a:rPr lang="en-CA" sz="8800" b="1" dirty="0" smtClean="0"/>
+              <a:rPr lang="en-US" sz="11500" dirty="0"/>
               <a:t>DEMO</a:t>
             </a:r>
-            <a:endParaRPr lang="en-CA" sz="8800" b="1" dirty="0"/>
-          </a:p>
-        </p:txBody>
-      </p:sp>
+          </a:p>
+        </p:txBody>
+      </p:sp>
+      <p:pic>
+        <p:nvPicPr>
+          <p:cNvPr id="7" name="Picture 6">
+            <a:extLst>
+              <a:ext uri="{FF2B5EF4-FFF2-40B4-BE49-F238E27FC236}">
+                <a16:creationId xmlns:a16="http://schemas.microsoft.com/office/drawing/2014/main" id="{1F6C51B1-33AB-4F6A-8B13-1832194899E6}"/>
+              </a:ext>
+            </a:extLst>
+          </p:cNvPr>
+          <p:cNvPicPr>
+            <a:picLocks noChangeAspect="1"/>
+          </p:cNvPicPr>
+          <p:nvPr/>
+        </p:nvPicPr>
+        <p:blipFill rotWithShape="1">
+          <a:blip r:embed="rId3"/>
+          <a:srcRect r="73699"/>
+          <a:stretch/>
+        </p:blipFill>
+        <p:spPr>
+          <a:xfrm>
+            <a:off x="7583423" y="2161288"/>
+            <a:ext cx="3050072" cy="2174367"/>
+          </a:xfrm>
+          <a:prstGeom prst="rect">
+            <a:avLst/>
+          </a:prstGeom>
+        </p:spPr>
+      </p:pic>
     </p:spTree>
     <p:extLst>
       <p:ext uri="{BB962C8B-B14F-4D97-AF65-F5344CB8AC3E}">
-        <p14:creationId xmlns:p14="http://schemas.microsoft.com/office/powerpoint/2010/main" val="951036833"/>
+        <p14:creationId xmlns:p14="http://schemas.microsoft.com/office/powerpoint/2010/main" val="2615066759"/>
       </p:ext>
     </p:extLst>
   </p:cSld>
@@ -13085,7 +16450,13 @@
       </p:grpSpPr>
       <p:sp>
         <p:nvSpPr>
-          <p:cNvPr id="2" name="Title 1"/>
+          <p:cNvPr id="3" name="Title 2">
+            <a:extLst>
+              <a:ext uri="{FF2B5EF4-FFF2-40B4-BE49-F238E27FC236}">
+                <a16:creationId xmlns:a16="http://schemas.microsoft.com/office/drawing/2014/main" id="{012FEDB6-8B5B-42F9-AA1D-F0B8A3ED74CA}"/>
+              </a:ext>
+            </a:extLst>
+          </p:cNvPr>
           <p:cNvSpPr>
             <a:spLocks noGrp="1"/>
           </p:cNvSpPr>
@@ -13095,25 +16466,56 @@
         </p:nvSpPr>
         <p:spPr>
           <a:xfrm>
-            <a:off x="1048326" y="2600630"/>
-            <a:ext cx="9905998" cy="1478570"/>
+            <a:off x="1139821" y="4952364"/>
+            <a:ext cx="9912355" cy="819355"/>
           </a:xfrm>
         </p:spPr>
         <p:txBody>
           <a:bodyPr>
-            <a:normAutofit/>
+            <a:normAutofit fontScale="90000"/>
           </a:bodyPr>
           <a:lstStyle/>
           <a:p>
             <a:pPr algn="ctr"/>
             <a:r>
-              <a:rPr lang="en-CA" sz="8800" b="1" dirty="0" smtClean="0"/>
-              <a:t>CODE</a:t>
-            </a:r>
-            <a:endParaRPr lang="en-CA" sz="8800" b="1" dirty="0"/>
-          </a:p>
-        </p:txBody>
-      </p:sp>
+              <a:rPr lang="en-CA" b="1" dirty="0"/>
+              <a:t>Php loaded YouTube player</a:t>
+            </a:r>
+            <a:br>
+              <a:rPr lang="en-CA" b="1" dirty="0"/>
+            </a:br>
+            <a:endParaRPr lang="en-CA" dirty="0"/>
+          </a:p>
+        </p:txBody>
+      </p:sp>
+      <p:pic>
+        <p:nvPicPr>
+          <p:cNvPr id="13" name="Picture 12">
+            <a:extLst>
+              <a:ext uri="{FF2B5EF4-FFF2-40B4-BE49-F238E27FC236}">
+                <a16:creationId xmlns:a16="http://schemas.microsoft.com/office/drawing/2014/main" id="{B6AA5DCF-3448-45D5-8C98-82B046F10BB2}"/>
+              </a:ext>
+            </a:extLst>
+          </p:cNvPr>
+          <p:cNvPicPr/>
+          <p:nvPr/>
+        </p:nvPicPr>
+        <p:blipFill>
+          <a:blip r:embed="rId3"/>
+          <a:stretch>
+            <a:fillRect/>
+          </a:stretch>
+        </p:blipFill>
+        <p:spPr>
+          <a:xfrm>
+            <a:off x="457198" y="1086281"/>
+            <a:ext cx="11277600" cy="1806243"/>
+          </a:xfrm>
+          <a:prstGeom prst="rect">
+            <a:avLst/>
+          </a:prstGeom>
+        </p:spPr>
+      </p:pic>
     </p:spTree>
     <p:extLst>
       <p:ext uri="{BB962C8B-B14F-4D97-AF65-F5344CB8AC3E}">
@@ -13144,10 +16546,78 @@
           <a:chExt cx="0" cy="0"/>
         </a:xfrm>
       </p:grpSpPr>
+      <p:pic>
+        <p:nvPicPr>
+          <p:cNvPr id="2" name="Picture 1">
+            <a:extLst>
+              <a:ext uri="{FF2B5EF4-FFF2-40B4-BE49-F238E27FC236}">
+                <a16:creationId xmlns:a16="http://schemas.microsoft.com/office/drawing/2014/main" id="{B99DF82B-6069-42F4-82B8-4F765BDA5E1E}"/>
+              </a:ext>
+            </a:extLst>
+          </p:cNvPr>
+          <p:cNvPicPr/>
+          <p:nvPr/>
+        </p:nvPicPr>
+        <p:blipFill>
+          <a:blip r:embed="rId3"/>
+          <a:stretch>
+            <a:fillRect/>
+          </a:stretch>
+        </p:blipFill>
+        <p:spPr>
+          <a:xfrm>
+            <a:off x="645213" y="1320788"/>
+            <a:ext cx="10901574" cy="2577713"/>
+          </a:xfrm>
+          <a:prstGeom prst="rect">
+            <a:avLst/>
+          </a:prstGeom>
+        </p:spPr>
+      </p:pic>
+      <p:sp>
+        <p:nvSpPr>
+          <p:cNvPr id="4" name="Title 2">
+            <a:extLst>
+              <a:ext uri="{FF2B5EF4-FFF2-40B4-BE49-F238E27FC236}">
+                <a16:creationId xmlns:a16="http://schemas.microsoft.com/office/drawing/2014/main" id="{B41D5508-D0AF-4C98-B295-BF05E6F4ADF9}"/>
+              </a:ext>
+            </a:extLst>
+          </p:cNvPr>
+          <p:cNvSpPr>
+            <a:spLocks noGrp="1"/>
+          </p:cNvSpPr>
+          <p:nvPr>
+            <p:ph type="title"/>
+          </p:nvPr>
+        </p:nvSpPr>
+        <p:spPr>
+          <a:xfrm>
+            <a:off x="1139818" y="5597035"/>
+            <a:ext cx="9912355" cy="819355"/>
+          </a:xfrm>
+        </p:spPr>
+        <p:txBody>
+          <a:bodyPr>
+            <a:normAutofit fontScale="90000"/>
+          </a:bodyPr>
+          <a:lstStyle/>
+          <a:p>
+            <a:pPr algn="ctr"/>
+            <a:r>
+              <a:rPr lang="en-CA" b="1" dirty="0"/>
+              <a:t>Update Quantity</a:t>
+            </a:r>
+            <a:br>
+              <a:rPr lang="en-CA" b="1" dirty="0"/>
+            </a:br>
+            <a:endParaRPr lang="en-CA" dirty="0"/>
+          </a:p>
+        </p:txBody>
+      </p:sp>
     </p:spTree>
     <p:extLst>
       <p:ext uri="{BB962C8B-B14F-4D97-AF65-F5344CB8AC3E}">
-        <p14:creationId xmlns:p14="http://schemas.microsoft.com/office/powerpoint/2010/main" val="3140835294"/>
+        <p14:creationId xmlns:p14="http://schemas.microsoft.com/office/powerpoint/2010/main" val="2622789335"/>
       </p:ext>
     </p:extLst>
   </p:cSld>
@@ -13176,7 +16646,13 @@
       </p:grpSpPr>
       <p:sp>
         <p:nvSpPr>
-          <p:cNvPr id="2" name="Title 1"/>
+          <p:cNvPr id="4" name="Title 2">
+            <a:extLst>
+              <a:ext uri="{FF2B5EF4-FFF2-40B4-BE49-F238E27FC236}">
+                <a16:creationId xmlns:a16="http://schemas.microsoft.com/office/drawing/2014/main" id="{B41D5508-D0AF-4C98-B295-BF05E6F4ADF9}"/>
+              </a:ext>
+            </a:extLst>
+          </p:cNvPr>
           <p:cNvSpPr>
             <a:spLocks noGrp="1"/>
           </p:cNvSpPr>
@@ -13184,109 +16660,62 @@
             <p:ph type="title"/>
           </p:nvPr>
         </p:nvSpPr>
-        <p:spPr/>
-        <p:txBody>
-          <a:bodyPr/>
+        <p:spPr>
+          <a:xfrm>
+            <a:off x="1139822" y="5602318"/>
+            <a:ext cx="9912355" cy="819355"/>
+          </a:xfrm>
+        </p:spPr>
+        <p:txBody>
+          <a:bodyPr>
+            <a:normAutofit fontScale="90000"/>
+          </a:bodyPr>
           <a:lstStyle/>
           <a:p>
-            <a:r>
-              <a:rPr lang="en-US" dirty="0" smtClean="0"/>
-              <a:t>Problems &amp; Challenges</a:t>
-            </a:r>
-            <a:endParaRPr lang="en-US" dirty="0"/>
-          </a:p>
-        </p:txBody>
-      </p:sp>
-      <p:sp>
-        <p:nvSpPr>
-          <p:cNvPr id="3" name="Content Placeholder 2"/>
-          <p:cNvSpPr>
-            <a:spLocks noGrp="1"/>
-          </p:cNvSpPr>
-          <p:nvPr>
-            <p:ph idx="1"/>
-          </p:nvPr>
-        </p:nvSpPr>
-        <p:spPr/>
-        <p:txBody>
-          <a:bodyPr/>
-          <a:lstStyle/>
-          <a:p>
-            <a:pPr marL="0" indent="0">
-              <a:buNone/>
-            </a:pPr>
-            <a:r>
-              <a:rPr lang="en-CA" dirty="0" smtClean="0"/>
-              <a:t>Problem:	</a:t>
-            </a:r>
-            <a:r>
-              <a:rPr lang="en-CA" dirty="0"/>
-              <a:t>C</a:t>
-            </a:r>
-            <a:r>
-              <a:rPr lang="en-CA" dirty="0" smtClean="0"/>
-              <a:t>hanging </a:t>
-            </a:r>
-            <a:r>
-              <a:rPr lang="en-CA" dirty="0"/>
-              <a:t>the </a:t>
-            </a:r>
-            <a:r>
-              <a:rPr lang="en-CA" dirty="0" smtClean="0"/>
-              <a:t>cart quantities </a:t>
-            </a:r>
-            <a:r>
-              <a:rPr lang="en-CA" dirty="0"/>
-              <a:t>without reloading the page</a:t>
-            </a:r>
-            <a:endParaRPr lang="en-CA" dirty="0" smtClean="0"/>
-          </a:p>
-          <a:p>
-            <a:pPr marL="0" indent="0">
-              <a:buNone/>
-            </a:pPr>
-            <a:endParaRPr lang="en-CA" dirty="0" smtClean="0"/>
-          </a:p>
-          <a:p>
-            <a:pPr marL="0" indent="0">
-              <a:buNone/>
-            </a:pPr>
-            <a:r>
-              <a:rPr lang="en-CA" dirty="0" smtClean="0"/>
-              <a:t>Solution:	</a:t>
-            </a:r>
-            <a:r>
-              <a:rPr lang="en-CA" dirty="0"/>
-              <a:t>Learned </a:t>
-            </a:r>
-            <a:r>
-              <a:rPr lang="en-CA" dirty="0" smtClean="0"/>
-              <a:t>to </a:t>
-            </a:r>
-            <a:r>
-              <a:rPr lang="en-CA" dirty="0"/>
-              <a:t>use ajax to change quantity with </a:t>
-            </a:r>
-            <a:r>
-              <a:rPr lang="en-CA" dirty="0" smtClean="0"/>
-              <a:t>server-side </a:t>
-            </a:r>
-            <a:r>
-              <a:rPr lang="en-CA" dirty="0"/>
-              <a:t>script</a:t>
-            </a:r>
-            <a:r>
-              <a:rPr lang="en-CA" dirty="0" smtClean="0"/>
-              <a:t>.</a:t>
-            </a:r>
-            <a:endParaRPr lang="en-CA" dirty="0" smtClean="0"/>
-          </a:p>
-        </p:txBody>
-      </p:sp>
+            <a:pPr algn="ctr"/>
+            <a:r>
+              <a:rPr lang="en-CA" b="1" dirty="0"/>
+              <a:t>Update Quantity</a:t>
+            </a:r>
+            <a:br>
+              <a:rPr lang="en-CA" b="1" dirty="0"/>
+            </a:br>
+            <a:endParaRPr lang="en-CA" dirty="0"/>
+          </a:p>
+        </p:txBody>
+      </p:sp>
+      <p:pic>
+        <p:nvPicPr>
+          <p:cNvPr id="5" name="Picture 4">
+            <a:extLst>
+              <a:ext uri="{FF2B5EF4-FFF2-40B4-BE49-F238E27FC236}">
+                <a16:creationId xmlns:a16="http://schemas.microsoft.com/office/drawing/2014/main" id="{0D82EB02-2E23-46FF-8E35-3D386951BAA0}"/>
+              </a:ext>
+            </a:extLst>
+          </p:cNvPr>
+          <p:cNvPicPr/>
+          <p:nvPr/>
+        </p:nvPicPr>
+        <p:blipFill>
+          <a:blip r:embed="rId3"/>
+          <a:stretch>
+            <a:fillRect/>
+          </a:stretch>
+        </p:blipFill>
+        <p:spPr>
+          <a:xfrm>
+            <a:off x="1265648" y="436327"/>
+            <a:ext cx="9660703" cy="4917551"/>
+          </a:xfrm>
+          <a:prstGeom prst="rect">
+            <a:avLst/>
+          </a:prstGeom>
+        </p:spPr>
+      </p:pic>
     </p:spTree>
     <p:extLst>
       <p:ext uri="{BB962C8B-B14F-4D97-AF65-F5344CB8AC3E}">
-        <p14:creationId xmlns:p14="http://schemas.microsoft.com/office/powerpoint/2010/main" val="1282692921"/>
+        <p14:creationId xmlns:p14="http://schemas.microsoft.com/office/powerpoint/2010/main" val="3140835294"/>
       </p:ext>
     </p:extLst>
   </p:cSld>
@@ -13315,7 +16744,13 @@
       </p:grpSpPr>
       <p:sp>
         <p:nvSpPr>
-          <p:cNvPr id="2" name="Title 1"/>
+          <p:cNvPr id="4" name="Title 2">
+            <a:extLst>
+              <a:ext uri="{FF2B5EF4-FFF2-40B4-BE49-F238E27FC236}">
+                <a16:creationId xmlns:a16="http://schemas.microsoft.com/office/drawing/2014/main" id="{B41D5508-D0AF-4C98-B295-BF05E6F4ADF9}"/>
+              </a:ext>
+            </a:extLst>
+          </p:cNvPr>
           <p:cNvSpPr>
             <a:spLocks noGrp="1"/>
           </p:cNvSpPr>
@@ -13323,84 +16758,62 @@
             <p:ph type="title"/>
           </p:nvPr>
         </p:nvSpPr>
-        <p:spPr/>
-        <p:txBody>
-          <a:bodyPr/>
+        <p:spPr>
+          <a:xfrm>
+            <a:off x="1139822" y="5602318"/>
+            <a:ext cx="9912355" cy="819355"/>
+          </a:xfrm>
+        </p:spPr>
+        <p:txBody>
+          <a:bodyPr>
+            <a:normAutofit fontScale="90000"/>
+          </a:bodyPr>
           <a:lstStyle/>
           <a:p>
-            <a:r>
-              <a:rPr lang="en-US" dirty="0" smtClean="0"/>
-              <a:t>Problems &amp; Challenges</a:t>
-            </a:r>
-            <a:endParaRPr lang="en-US" dirty="0"/>
-          </a:p>
-        </p:txBody>
-      </p:sp>
-      <p:sp>
-        <p:nvSpPr>
-          <p:cNvPr id="3" name="Content Placeholder 2"/>
-          <p:cNvSpPr>
-            <a:spLocks noGrp="1"/>
-          </p:cNvSpPr>
-          <p:nvPr>
-            <p:ph idx="1"/>
-          </p:nvPr>
-        </p:nvSpPr>
-        <p:spPr/>
-        <p:txBody>
-          <a:bodyPr/>
-          <a:lstStyle/>
-          <a:p>
-            <a:pPr marL="0" indent="0">
-              <a:buNone/>
-            </a:pPr>
-            <a:r>
-              <a:rPr lang="en-CA" dirty="0" smtClean="0"/>
-              <a:t>Problem:	</a:t>
-            </a:r>
-            <a:r>
-              <a:rPr lang="en-CA" dirty="0"/>
-              <a:t>Git conflicts when pushing your </a:t>
-            </a:r>
-            <a:r>
-              <a:rPr lang="en-CA" dirty="0" smtClean="0"/>
-              <a:t>work</a:t>
-            </a:r>
-          </a:p>
-          <a:p>
-            <a:pPr marL="0" indent="0">
-              <a:buNone/>
-            </a:pPr>
-            <a:endParaRPr lang="en-CA" dirty="0" smtClean="0"/>
-          </a:p>
-          <a:p>
-            <a:pPr marL="0" indent="0">
-              <a:buNone/>
-            </a:pPr>
-            <a:r>
-              <a:rPr lang="en-CA" dirty="0" smtClean="0"/>
-              <a:t>Solution:	</a:t>
-            </a:r>
-            <a:r>
-              <a:rPr lang="en-CA" dirty="0"/>
-              <a:t>Ensuring that the most recent version of master was pulled and </a:t>
-            </a:r>
-            <a:r>
-              <a:rPr lang="en-CA" dirty="0" smtClean="0"/>
-              <a:t>		rebased </a:t>
-            </a:r>
-            <a:r>
-              <a:rPr lang="en-CA" dirty="0"/>
-              <a:t>in branch before work begins</a:t>
-            </a:r>
-            <a:endParaRPr lang="en-CA" dirty="0" smtClean="0"/>
-          </a:p>
-        </p:txBody>
-      </p:sp>
+            <a:pPr algn="ctr"/>
+            <a:r>
+              <a:rPr lang="en-CA" b="1" dirty="0"/>
+              <a:t>Update Quantity</a:t>
+            </a:r>
+            <a:br>
+              <a:rPr lang="en-CA" b="1" dirty="0"/>
+            </a:br>
+            <a:endParaRPr lang="en-CA" dirty="0"/>
+          </a:p>
+        </p:txBody>
+      </p:sp>
+      <p:pic>
+        <p:nvPicPr>
+          <p:cNvPr id="6" name="Picture 5">
+            <a:extLst>
+              <a:ext uri="{FF2B5EF4-FFF2-40B4-BE49-F238E27FC236}">
+                <a16:creationId xmlns:a16="http://schemas.microsoft.com/office/drawing/2014/main" id="{FB3A5D0B-B9DB-4F0D-AF86-F0B30E7150C6}"/>
+              </a:ext>
+            </a:extLst>
+          </p:cNvPr>
+          <p:cNvPicPr/>
+          <p:nvPr/>
+        </p:nvPicPr>
+        <p:blipFill>
+          <a:blip r:embed="rId3"/>
+          <a:stretch>
+            <a:fillRect/>
+          </a:stretch>
+        </p:blipFill>
+        <p:spPr>
+          <a:xfrm>
+            <a:off x="1259023" y="436327"/>
+            <a:ext cx="9673952" cy="4533237"/>
+          </a:xfrm>
+          <a:prstGeom prst="rect">
+            <a:avLst/>
+          </a:prstGeom>
+        </p:spPr>
+      </p:pic>
     </p:spTree>
     <p:extLst>
       <p:ext uri="{BB962C8B-B14F-4D97-AF65-F5344CB8AC3E}">
-        <p14:creationId xmlns:p14="http://schemas.microsoft.com/office/powerpoint/2010/main" val="3772083529"/>
+        <p14:creationId xmlns:p14="http://schemas.microsoft.com/office/powerpoint/2010/main" val="3403410063"/>
       </p:ext>
     </p:extLst>
   </p:cSld>
@@ -13429,7 +16842,13 @@
       </p:grpSpPr>
       <p:sp>
         <p:nvSpPr>
-          <p:cNvPr id="2" name="Title 1"/>
+          <p:cNvPr id="4" name="Title 2">
+            <a:extLst>
+              <a:ext uri="{FF2B5EF4-FFF2-40B4-BE49-F238E27FC236}">
+                <a16:creationId xmlns:a16="http://schemas.microsoft.com/office/drawing/2014/main" id="{B41D5508-D0AF-4C98-B295-BF05E6F4ADF9}"/>
+              </a:ext>
+            </a:extLst>
+          </p:cNvPr>
           <p:cNvSpPr>
             <a:spLocks noGrp="1"/>
           </p:cNvSpPr>
@@ -13437,88 +16856,62 @@
             <p:ph type="title"/>
           </p:nvPr>
         </p:nvSpPr>
-        <p:spPr/>
-        <p:txBody>
-          <a:bodyPr/>
+        <p:spPr>
+          <a:xfrm>
+            <a:off x="1139822" y="5602318"/>
+            <a:ext cx="9912355" cy="819355"/>
+          </a:xfrm>
+        </p:spPr>
+        <p:txBody>
+          <a:bodyPr>
+            <a:normAutofit fontScale="90000"/>
+          </a:bodyPr>
           <a:lstStyle/>
           <a:p>
-            <a:r>
-              <a:rPr lang="en-US" dirty="0" smtClean="0"/>
-              <a:t>Problems &amp; Challenges</a:t>
-            </a:r>
-            <a:endParaRPr lang="en-US" dirty="0"/>
-          </a:p>
-        </p:txBody>
-      </p:sp>
-      <p:sp>
-        <p:nvSpPr>
-          <p:cNvPr id="3" name="Content Placeholder 2"/>
-          <p:cNvSpPr>
-            <a:spLocks noGrp="1"/>
-          </p:cNvSpPr>
-          <p:nvPr>
-            <p:ph idx="1"/>
-          </p:nvPr>
-        </p:nvSpPr>
-        <p:spPr/>
-        <p:txBody>
-          <a:bodyPr/>
-          <a:lstStyle/>
-          <a:p>
-            <a:pPr marL="0" indent="0">
-              <a:buNone/>
-            </a:pPr>
-            <a:r>
-              <a:rPr lang="en-CA" dirty="0" smtClean="0"/>
-              <a:t>Problem:	</a:t>
-            </a:r>
-            <a:r>
-              <a:rPr lang="en-CA" dirty="0"/>
-              <a:t>Git problems with </a:t>
-            </a:r>
-            <a:r>
-              <a:rPr lang="en-CA" dirty="0" smtClean="0"/>
-              <a:t>temp </a:t>
-            </a:r>
-            <a:r>
-              <a:rPr lang="en-CA" dirty="0"/>
-              <a:t>files made by Microsoft when file is </a:t>
-            </a:r>
-            <a:r>
-              <a:rPr lang="en-CA" dirty="0" smtClean="0"/>
-              <a:t>open</a:t>
-            </a:r>
-          </a:p>
-          <a:p>
-            <a:pPr marL="0" indent="0">
-              <a:buNone/>
-            </a:pPr>
-            <a:endParaRPr lang="en-CA" dirty="0" smtClean="0"/>
-          </a:p>
-          <a:p>
-            <a:pPr marL="0" indent="0">
-              <a:buNone/>
-            </a:pPr>
-            <a:r>
-              <a:rPr lang="en-CA" dirty="0" smtClean="0"/>
-              <a:t>Solution:	</a:t>
-            </a:r>
-            <a:r>
-              <a:rPr lang="en-CA" dirty="0"/>
-              <a:t>Close all windows before pushing to </a:t>
-            </a:r>
-            <a:r>
-              <a:rPr lang="en-CA" dirty="0" smtClean="0"/>
-              <a:t>Git</a:t>
-            </a:r>
-            <a:endParaRPr lang="en-CA" dirty="0" smtClean="0"/>
-          </a:p>
-        </p:txBody>
-      </p:sp>
+            <a:pPr algn="ctr"/>
+            <a:r>
+              <a:rPr lang="en-CA" b="1" dirty="0"/>
+              <a:t>Update Quantity</a:t>
+            </a:r>
+            <a:br>
+              <a:rPr lang="en-CA" b="1" dirty="0"/>
+            </a:br>
+            <a:endParaRPr lang="en-CA" dirty="0"/>
+          </a:p>
+        </p:txBody>
+      </p:sp>
+      <p:pic>
+        <p:nvPicPr>
+          <p:cNvPr id="5" name="Picture 4">
+            <a:extLst>
+              <a:ext uri="{FF2B5EF4-FFF2-40B4-BE49-F238E27FC236}">
+                <a16:creationId xmlns:a16="http://schemas.microsoft.com/office/drawing/2014/main" id="{32F5624C-0054-4329-BE08-5E570E8BCE7C}"/>
+              </a:ext>
+            </a:extLst>
+          </p:cNvPr>
+          <p:cNvPicPr/>
+          <p:nvPr/>
+        </p:nvPicPr>
+        <p:blipFill>
+          <a:blip r:embed="rId3"/>
+          <a:stretch>
+            <a:fillRect/>
+          </a:stretch>
+        </p:blipFill>
+        <p:spPr>
+          <a:xfrm>
+            <a:off x="1300436" y="436327"/>
+            <a:ext cx="9591126" cy="4266302"/>
+          </a:xfrm>
+          <a:prstGeom prst="rect">
+            <a:avLst/>
+          </a:prstGeom>
+        </p:spPr>
+      </p:pic>
     </p:spTree>
     <p:extLst>
       <p:ext uri="{BB962C8B-B14F-4D97-AF65-F5344CB8AC3E}">
-        <p14:creationId xmlns:p14="http://schemas.microsoft.com/office/powerpoint/2010/main" val="39603794"/>
+        <p14:creationId xmlns:p14="http://schemas.microsoft.com/office/powerpoint/2010/main" val="1970266180"/>
       </p:ext>
     </p:extLst>
   </p:cSld>
@@ -13773,7 +17166,302 @@
   <a:extraClrSchemeLst/>
   <a:extLst>
     <a:ext uri="{05A4C25C-085E-4340-85A3-A5531E510DB2}">
-      <thm15:themeFamily xmlns:thm15="http://schemas.microsoft.com/office/thememl/2012/main" xmlns="" name="Circuit" id="{0AC2F7E7-15F5-431C-B2A2-456FE929F56C}" vid="{0911B802-464C-4241-8DD9-B60FF88E379F}"/>
+      <thm15:themeFamily xmlns:thm15="http://schemas.microsoft.com/office/thememl/2012/main" name="Circuit" id="{0AC2F7E7-15F5-431C-B2A2-456FE929F56C}" vid="{0911B802-464C-4241-8DD9-B60FF88E379F}"/>
+    </a:ext>
+  </a:extLst>
+</a:theme>
+</file>
+
+<file path=ppt/theme/theme2.xml><?xml version="1.0" encoding="utf-8"?>
+<a:theme xmlns:a="http://schemas.openxmlformats.org/drawingml/2006/main" name="Office Theme">
+  <a:themeElements>
+    <a:clrScheme name="Office">
+      <a:dk1>
+        <a:sysClr val="windowText" lastClr="000000"/>
+      </a:dk1>
+      <a:lt1>
+        <a:sysClr val="window" lastClr="FFFFFF"/>
+      </a:lt1>
+      <a:dk2>
+        <a:srgbClr val="44546A"/>
+      </a:dk2>
+      <a:lt2>
+        <a:srgbClr val="E7E6E6"/>
+      </a:lt2>
+      <a:accent1>
+        <a:srgbClr val="4472C4"/>
+      </a:accent1>
+      <a:accent2>
+        <a:srgbClr val="ED7D31"/>
+      </a:accent2>
+      <a:accent3>
+        <a:srgbClr val="A5A5A5"/>
+      </a:accent3>
+      <a:accent4>
+        <a:srgbClr val="FFC000"/>
+      </a:accent4>
+      <a:accent5>
+        <a:srgbClr val="5B9BD5"/>
+      </a:accent5>
+      <a:accent6>
+        <a:srgbClr val="70AD47"/>
+      </a:accent6>
+      <a:hlink>
+        <a:srgbClr val="0563C1"/>
+      </a:hlink>
+      <a:folHlink>
+        <a:srgbClr val="954F72"/>
+      </a:folHlink>
+    </a:clrScheme>
+    <a:fontScheme name="Office">
+      <a:majorFont>
+        <a:latin typeface="Calibri Light" panose="020F0302020204030204"/>
+        <a:ea typeface=""/>
+        <a:cs typeface=""/>
+        <a:font script="Jpan" typeface="游ゴシック Light"/>
+        <a:font script="Hang" typeface="맑은 고딕"/>
+        <a:font script="Hans" typeface="等线 Light"/>
+        <a:font script="Hant" typeface="新細明體"/>
+        <a:font script="Arab" typeface="Times New Roman"/>
+        <a:font script="Hebr" typeface="Times New Roman"/>
+        <a:font script="Thai" typeface="Angsana New"/>
+        <a:font script="Ethi" typeface="Nyala"/>
+        <a:font script="Beng" typeface="Vrinda"/>
+        <a:font script="Gujr" typeface="Shruti"/>
+        <a:font script="Khmr" typeface="MoolBoran"/>
+        <a:font script="Knda" typeface="Tunga"/>
+        <a:font script="Guru" typeface="Raavi"/>
+        <a:font script="Cans" typeface="Euphemia"/>
+        <a:font script="Cher" typeface="Plantagenet Cherokee"/>
+        <a:font script="Yiii" typeface="Microsoft Yi Baiti"/>
+        <a:font script="Tibt" typeface="Microsoft Himalaya"/>
+        <a:font script="Thaa" typeface="MV Boli"/>
+        <a:font script="Deva" typeface="Mangal"/>
+        <a:font script="Telu" typeface="Gautami"/>
+        <a:font script="Taml" typeface="Latha"/>
+        <a:font script="Syrc" typeface="Estrangelo Edessa"/>
+        <a:font script="Orya" typeface="Kalinga"/>
+        <a:font script="Mlym" typeface="Kartika"/>
+        <a:font script="Laoo" typeface="DokChampa"/>
+        <a:font script="Sinh" typeface="Iskoola Pota"/>
+        <a:font script="Mong" typeface="Mongolian Baiti"/>
+        <a:font script="Viet" typeface="Times New Roman"/>
+        <a:font script="Uigh" typeface="Microsoft Uighur"/>
+        <a:font script="Geor" typeface="Sylfaen"/>
+        <a:font script="Armn" typeface="Arial"/>
+        <a:font script="Bugi" typeface="Leelawadee UI"/>
+        <a:font script="Bopo" typeface="Microsoft JhengHei"/>
+        <a:font script="Java" typeface="Javanese Text"/>
+        <a:font script="Lisu" typeface="Segoe UI"/>
+        <a:font script="Mymr" typeface="Myanmar Text"/>
+        <a:font script="Nkoo" typeface="Ebrima"/>
+        <a:font script="Olck" typeface="Nirmala UI"/>
+        <a:font script="Osma" typeface="Ebrima"/>
+        <a:font script="Phag" typeface="Phagspa"/>
+        <a:font script="Syrn" typeface="Estrangelo Edessa"/>
+        <a:font script="Syrj" typeface="Estrangelo Edessa"/>
+        <a:font script="Syre" typeface="Estrangelo Edessa"/>
+        <a:font script="Sora" typeface="Nirmala UI"/>
+        <a:font script="Tale" typeface="Microsoft Tai Le"/>
+        <a:font script="Talu" typeface="Microsoft New Tai Lue"/>
+        <a:font script="Tfng" typeface="Ebrima"/>
+      </a:majorFont>
+      <a:minorFont>
+        <a:latin typeface="Calibri" panose="020F0502020204030204"/>
+        <a:ea typeface=""/>
+        <a:cs typeface=""/>
+        <a:font script="Jpan" typeface="游ゴシック"/>
+        <a:font script="Hang" typeface="맑은 고딕"/>
+        <a:font script="Hans" typeface="等线"/>
+        <a:font script="Hant" typeface="新細明體"/>
+        <a:font script="Arab" typeface="Arial"/>
+        <a:font script="Hebr" typeface="Arial"/>
+        <a:font script="Thai" typeface="Cordia New"/>
+        <a:font script="Ethi" typeface="Nyala"/>
+        <a:font script="Beng" typeface="Vrinda"/>
+        <a:font script="Gujr" typeface="Shruti"/>
+        <a:font script="Khmr" typeface="DaunPenh"/>
+        <a:font script="Knda" typeface="Tunga"/>
+        <a:font script="Guru" typeface="Raavi"/>
+        <a:font script="Cans" typeface="Euphemia"/>
+        <a:font script="Cher" typeface="Plantagenet Cherokee"/>
+        <a:font script="Yiii" typeface="Microsoft Yi Baiti"/>
+        <a:font script="Tibt" typeface="Microsoft Himalaya"/>
+        <a:font script="Thaa" typeface="MV Boli"/>
+        <a:font script="Deva" typeface="Mangal"/>
+        <a:font script="Telu" typeface="Gautami"/>
+        <a:font script="Taml" typeface="Latha"/>
+        <a:font script="Syrc" typeface="Estrangelo Edessa"/>
+        <a:font script="Orya" typeface="Kalinga"/>
+        <a:font script="Mlym" typeface="Kartika"/>
+        <a:font script="Laoo" typeface="DokChampa"/>
+        <a:font script="Sinh" typeface="Iskoola Pota"/>
+        <a:font script="Mong" typeface="Mongolian Baiti"/>
+        <a:font script="Viet" typeface="Arial"/>
+        <a:font script="Uigh" typeface="Microsoft Uighur"/>
+        <a:font script="Geor" typeface="Sylfaen"/>
+        <a:font script="Armn" typeface="Arial"/>
+        <a:font script="Bugi" typeface="Leelawadee UI"/>
+        <a:font script="Bopo" typeface="Microsoft JhengHei"/>
+        <a:font script="Java" typeface="Javanese Text"/>
+        <a:font script="Lisu" typeface="Segoe UI"/>
+        <a:font script="Mymr" typeface="Myanmar Text"/>
+        <a:font script="Nkoo" typeface="Ebrima"/>
+        <a:font script="Olck" typeface="Nirmala UI"/>
+        <a:font script="Osma" typeface="Ebrima"/>
+        <a:font script="Phag" typeface="Phagspa"/>
+        <a:font script="Syrn" typeface="Estrangelo Edessa"/>
+        <a:font script="Syrj" typeface="Estrangelo Edessa"/>
+        <a:font script="Syre" typeface="Estrangelo Edessa"/>
+        <a:font script="Sora" typeface="Nirmala UI"/>
+        <a:font script="Tale" typeface="Microsoft Tai Le"/>
+        <a:font script="Talu" typeface="Microsoft New Tai Lue"/>
+        <a:font script="Tfng" typeface="Ebrima"/>
+      </a:minorFont>
+    </a:fontScheme>
+    <a:fmtScheme name="Office">
+      <a:fillStyleLst>
+        <a:solidFill>
+          <a:schemeClr val="phClr"/>
+        </a:solidFill>
+        <a:gradFill rotWithShape="1">
+          <a:gsLst>
+            <a:gs pos="0">
+              <a:schemeClr val="phClr">
+                <a:lumMod val="110000"/>
+                <a:satMod val="105000"/>
+                <a:tint val="67000"/>
+              </a:schemeClr>
+            </a:gs>
+            <a:gs pos="50000">
+              <a:schemeClr val="phClr">
+                <a:lumMod val="105000"/>
+                <a:satMod val="103000"/>
+                <a:tint val="73000"/>
+              </a:schemeClr>
+            </a:gs>
+            <a:gs pos="100000">
+              <a:schemeClr val="phClr">
+                <a:lumMod val="105000"/>
+                <a:satMod val="109000"/>
+                <a:tint val="81000"/>
+              </a:schemeClr>
+            </a:gs>
+          </a:gsLst>
+          <a:lin ang="5400000" scaled="0"/>
+        </a:gradFill>
+        <a:gradFill rotWithShape="1">
+          <a:gsLst>
+            <a:gs pos="0">
+              <a:schemeClr val="phClr">
+                <a:satMod val="103000"/>
+                <a:lumMod val="102000"/>
+                <a:tint val="94000"/>
+              </a:schemeClr>
+            </a:gs>
+            <a:gs pos="50000">
+              <a:schemeClr val="phClr">
+                <a:satMod val="110000"/>
+                <a:lumMod val="100000"/>
+                <a:shade val="100000"/>
+              </a:schemeClr>
+            </a:gs>
+            <a:gs pos="100000">
+              <a:schemeClr val="phClr">
+                <a:lumMod val="99000"/>
+                <a:satMod val="120000"/>
+                <a:shade val="78000"/>
+              </a:schemeClr>
+            </a:gs>
+          </a:gsLst>
+          <a:lin ang="5400000" scaled="0"/>
+        </a:gradFill>
+      </a:fillStyleLst>
+      <a:lnStyleLst>
+        <a:ln w="6350" cap="flat" cmpd="sng" algn="ctr">
+          <a:solidFill>
+            <a:schemeClr val="phClr"/>
+          </a:solidFill>
+          <a:prstDash val="solid"/>
+          <a:miter lim="800000"/>
+        </a:ln>
+        <a:ln w="12700" cap="flat" cmpd="sng" algn="ctr">
+          <a:solidFill>
+            <a:schemeClr val="phClr"/>
+          </a:solidFill>
+          <a:prstDash val="solid"/>
+          <a:miter lim="800000"/>
+        </a:ln>
+        <a:ln w="19050" cap="flat" cmpd="sng" algn="ctr">
+          <a:solidFill>
+            <a:schemeClr val="phClr"/>
+          </a:solidFill>
+          <a:prstDash val="solid"/>
+          <a:miter lim="800000"/>
+        </a:ln>
+      </a:lnStyleLst>
+      <a:effectStyleLst>
+        <a:effectStyle>
+          <a:effectLst/>
+        </a:effectStyle>
+        <a:effectStyle>
+          <a:effectLst/>
+        </a:effectStyle>
+        <a:effectStyle>
+          <a:effectLst>
+            <a:outerShdw blurRad="57150" dist="19050" dir="5400000" algn="ctr" rotWithShape="0">
+              <a:srgbClr val="000000">
+                <a:alpha val="63000"/>
+              </a:srgbClr>
+            </a:outerShdw>
+          </a:effectLst>
+        </a:effectStyle>
+      </a:effectStyleLst>
+      <a:bgFillStyleLst>
+        <a:solidFill>
+          <a:schemeClr val="phClr"/>
+        </a:solidFill>
+        <a:solidFill>
+          <a:schemeClr val="phClr">
+            <a:tint val="95000"/>
+            <a:satMod val="170000"/>
+          </a:schemeClr>
+        </a:solidFill>
+        <a:gradFill rotWithShape="1">
+          <a:gsLst>
+            <a:gs pos="0">
+              <a:schemeClr val="phClr">
+                <a:tint val="93000"/>
+                <a:satMod val="150000"/>
+                <a:shade val="98000"/>
+                <a:lumMod val="102000"/>
+              </a:schemeClr>
+            </a:gs>
+            <a:gs pos="50000">
+              <a:schemeClr val="phClr">
+                <a:tint val="98000"/>
+                <a:satMod val="130000"/>
+                <a:shade val="90000"/>
+                <a:lumMod val="103000"/>
+              </a:schemeClr>
+            </a:gs>
+            <a:gs pos="100000">
+              <a:schemeClr val="phClr">
+                <a:shade val="63000"/>
+                <a:satMod val="120000"/>
+              </a:schemeClr>
+            </a:gs>
+          </a:gsLst>
+          <a:lin ang="5400000" scaled="0"/>
+        </a:gradFill>
+      </a:bgFillStyleLst>
+    </a:fmtScheme>
+  </a:themeElements>
+  <a:objectDefaults/>
+  <a:extraClrSchemeLst/>
+  <a:extLst>
+    <a:ext uri="{05A4C25C-085E-4340-85A3-A5531E510DB2}">
+      <thm15:themeFamily xmlns:thm15="http://schemas.microsoft.com/office/thememl/2012/main" name="Office Theme" id="{62F939B6-93AF-4DB8-9C6B-D6C7DFDC589F}" vid="{4A3C46E8-61CC-4603-A589-7422A47A8E4A}"/>
     </a:ext>
   </a:extLst>
 </a:theme>
